--- a/classes/stats2015/Lecture7.pptx
+++ b/classes/stats2015/Lecture7.pptx
@@ -231,7 +231,7 @@
             <a:fld id="{EED6FE97-C8F6-414A-BAD9-185DD18CF7E9}" type="datetimeFigureOut">
               <a:rPr lang="en-US" smtClean="0"/>
               <a:pPr/>
-              <a:t>2/5/2015</a:t>
+              <a:t>2/8/2015</a:t>
             </a:fld>
             <a:endParaRPr lang="en-US"/>
           </a:p>
@@ -3877,7 +3877,7 @@
             <a:fld id="{1D8BD707-D9CF-40AE-B4C6-C98DA3205C09}" type="datetimeFigureOut">
               <a:rPr lang="en-US" smtClean="0"/>
               <a:pPr/>
-              <a:t>2/5/2015</a:t>
+              <a:t>2/8/2015</a:t>
             </a:fld>
             <a:endParaRPr lang="en-US"/>
           </a:p>
@@ -4044,7 +4044,7 @@
             <a:fld id="{1D8BD707-D9CF-40AE-B4C6-C98DA3205C09}" type="datetimeFigureOut">
               <a:rPr lang="en-US" smtClean="0"/>
               <a:pPr/>
-              <a:t>2/5/2015</a:t>
+              <a:t>2/8/2015</a:t>
             </a:fld>
             <a:endParaRPr lang="en-US"/>
           </a:p>
@@ -4221,7 +4221,7 @@
             <a:fld id="{1D8BD707-D9CF-40AE-B4C6-C98DA3205C09}" type="datetimeFigureOut">
               <a:rPr lang="en-US" smtClean="0"/>
               <a:pPr/>
-              <a:t>2/5/2015</a:t>
+              <a:t>2/8/2015</a:t>
             </a:fld>
             <a:endParaRPr lang="en-US"/>
           </a:p>
@@ -4388,7 +4388,7 @@
             <a:fld id="{1D8BD707-D9CF-40AE-B4C6-C98DA3205C09}" type="datetimeFigureOut">
               <a:rPr lang="en-US" smtClean="0"/>
               <a:pPr/>
-              <a:t>2/5/2015</a:t>
+              <a:t>2/8/2015</a:t>
             </a:fld>
             <a:endParaRPr lang="en-US"/>
           </a:p>
@@ -4631,7 +4631,7 @@
             <a:fld id="{1D8BD707-D9CF-40AE-B4C6-C98DA3205C09}" type="datetimeFigureOut">
               <a:rPr lang="en-US" smtClean="0"/>
               <a:pPr/>
-              <a:t>2/5/2015</a:t>
+              <a:t>2/8/2015</a:t>
             </a:fld>
             <a:endParaRPr lang="en-US"/>
           </a:p>
@@ -4916,7 +4916,7 @@
             <a:fld id="{1D8BD707-D9CF-40AE-B4C6-C98DA3205C09}" type="datetimeFigureOut">
               <a:rPr lang="en-US" smtClean="0"/>
               <a:pPr/>
-              <a:t>2/5/2015</a:t>
+              <a:t>2/8/2015</a:t>
             </a:fld>
             <a:endParaRPr lang="en-US"/>
           </a:p>
@@ -5335,7 +5335,7 @@
             <a:fld id="{1D8BD707-D9CF-40AE-B4C6-C98DA3205C09}" type="datetimeFigureOut">
               <a:rPr lang="en-US" smtClean="0"/>
               <a:pPr/>
-              <a:t>2/5/2015</a:t>
+              <a:t>2/8/2015</a:t>
             </a:fld>
             <a:endParaRPr lang="en-US"/>
           </a:p>
@@ -5450,7 +5450,7 @@
             <a:fld id="{1D8BD707-D9CF-40AE-B4C6-C98DA3205C09}" type="datetimeFigureOut">
               <a:rPr lang="en-US" smtClean="0"/>
               <a:pPr/>
-              <a:t>2/5/2015</a:t>
+              <a:t>2/8/2015</a:t>
             </a:fld>
             <a:endParaRPr lang="en-US"/>
           </a:p>
@@ -5542,7 +5542,7 @@
             <a:fld id="{1D8BD707-D9CF-40AE-B4C6-C98DA3205C09}" type="datetimeFigureOut">
               <a:rPr lang="en-US" smtClean="0"/>
               <a:pPr/>
-              <a:t>2/5/2015</a:t>
+              <a:t>2/8/2015</a:t>
             </a:fld>
             <a:endParaRPr lang="en-US"/>
           </a:p>
@@ -5816,7 +5816,7 @@
             <a:fld id="{1D8BD707-D9CF-40AE-B4C6-C98DA3205C09}" type="datetimeFigureOut">
               <a:rPr lang="en-US" smtClean="0"/>
               <a:pPr/>
-              <a:t>2/5/2015</a:t>
+              <a:t>2/8/2015</a:t>
             </a:fld>
             <a:endParaRPr lang="en-US"/>
           </a:p>
@@ -6066,7 +6066,7 @@
             <a:fld id="{1D8BD707-D9CF-40AE-B4C6-C98DA3205C09}" type="datetimeFigureOut">
               <a:rPr lang="en-US" smtClean="0"/>
               <a:pPr/>
-              <a:t>2/5/2015</a:t>
+              <a:t>2/8/2015</a:t>
             </a:fld>
             <a:endParaRPr lang="en-US"/>
           </a:p>
@@ -6276,7 +6276,7 @@
             <a:fld id="{1D8BD707-D9CF-40AE-B4C6-C98DA3205C09}" type="datetimeFigureOut">
               <a:rPr lang="en-US" smtClean="0"/>
               <a:pPr/>
-              <a:t>2/5/2015</a:t>
+              <a:t>2/8/2015</a:t>
             </a:fld>
             <a:endParaRPr lang="en-US"/>
           </a:p>
@@ -7350,7 +7350,19 @@
           <a:p>
             <a:r>
               <a:rPr lang="en-US" dirty="0" smtClean="0"/>
-              <a:t>An example of the hypermetric distribution from the genomics literature:</a:t>
+              <a:t>An example of the </a:t>
+            </a:r>
+            <a:r>
+              <a:rPr lang="en-US" dirty="0" err="1" smtClean="0"/>
+              <a:t>hypergeometric</a:t>
+            </a:r>
+            <a:r>
+              <a:rPr lang="en-US" dirty="0" smtClean="0"/>
+              <a:t> </a:t>
+            </a:r>
+            <a:r>
+              <a:rPr lang="en-US" dirty="0" smtClean="0"/>
+              <a:t>distribution from the genomics literature:</a:t>
             </a:r>
           </a:p>
           <a:p>
@@ -7442,7 +7454,19 @@
           <a:p>
             <a:r>
               <a:rPr lang="en-US" dirty="0" smtClean="0"/>
-              <a:t>An example of the hypermetric distribution from the genomics literature:</a:t>
+              <a:t>An example of the </a:t>
+            </a:r>
+            <a:r>
+              <a:rPr lang="en-US" dirty="0" err="1" smtClean="0"/>
+              <a:t>hypergeometric</a:t>
+            </a:r>
+            <a:r>
+              <a:rPr lang="en-US" dirty="0" smtClean="0"/>
+              <a:t> </a:t>
+            </a:r>
+            <a:r>
+              <a:rPr lang="en-US" dirty="0" smtClean="0"/>
+              <a:t>distribution from the genomics literature:</a:t>
             </a:r>
           </a:p>
           <a:p>
@@ -8048,7 +8072,7 @@
         <p:spPr>
           <a:xfrm>
             <a:off x="304800" y="4800600"/>
-            <a:ext cx="3710952" cy="646331"/>
+            <a:ext cx="3676199" cy="646331"/>
           </a:xfrm>
           <a:prstGeom prst="rect">
             <a:avLst/>
@@ -8063,7 +8087,15 @@
           <a:p>
             <a:r>
               <a:rPr lang="en-US" dirty="0" smtClean="0"/>
-              <a:t>If a gene is assigned to a given gene it</a:t>
+              <a:t>If a </a:t>
+            </a:r>
+            <a:r>
+              <a:rPr lang="en-US" dirty="0" smtClean="0"/>
+              <a:t>read is </a:t>
+            </a:r>
+            <a:r>
+              <a:rPr lang="en-US" dirty="0" smtClean="0"/>
+              <a:t>assigned to a given gene it</a:t>
             </a:r>
           </a:p>
           <a:p>
@@ -8072,8 +8104,8 @@
               <a:t>is marked – </a:t>
             </a:r>
             <a:r>
-              <a:rPr lang="en-US" dirty="0" err="1" smtClean="0"/>
-              <a:t>consier</a:t>
+              <a:rPr lang="en-US" dirty="0" smtClean="0"/>
+              <a:t>consider</a:t>
             </a:r>
             <a:r>
               <a:rPr lang="en-US" dirty="0" smtClean="0"/>
@@ -8830,6 +8862,73 @@
           </a:p>
         </p:txBody>
       </p:sp>
+      <p:cxnSp>
+        <p:nvCxnSpPr>
+          <p:cNvPr id="9" name="Straight Arrow Connector 8"/>
+          <p:cNvCxnSpPr/>
+          <p:nvPr/>
+        </p:nvCxnSpPr>
+        <p:spPr>
+          <a:xfrm flipV="1">
+            <a:off x="3505200" y="4343400"/>
+            <a:ext cx="533400" cy="228600"/>
+          </a:xfrm>
+          <a:prstGeom prst="straightConnector1">
+            <a:avLst/>
+          </a:prstGeom>
+          <a:ln>
+            <a:tailEnd type="arrow"/>
+          </a:ln>
+        </p:spPr>
+        <p:style>
+          <a:lnRef idx="1">
+            <a:schemeClr val="accent1"/>
+          </a:lnRef>
+          <a:fillRef idx="0">
+            <a:schemeClr val="accent1"/>
+          </a:fillRef>
+          <a:effectRef idx="0">
+            <a:schemeClr val="accent1"/>
+          </a:effectRef>
+          <a:fontRef idx="minor">
+            <a:schemeClr val="tx1"/>
+          </a:fontRef>
+        </p:style>
+      </p:cxnSp>
+      <p:sp>
+        <p:nvSpPr>
+          <p:cNvPr id="10" name="TextBox 9"/>
+          <p:cNvSpPr txBox="1"/>
+          <p:nvPr/>
+        </p:nvSpPr>
+        <p:spPr>
+          <a:xfrm>
+            <a:off x="1066800" y="4495800"/>
+            <a:ext cx="2656305" cy="369332"/>
+          </a:xfrm>
+          <a:prstGeom prst="rect">
+            <a:avLst/>
+          </a:prstGeom>
+          <a:noFill/>
+        </p:spPr>
+        <p:txBody>
+          <a:bodyPr wrap="none" rtlCol="0">
+            <a:spAutoFit/>
+          </a:bodyPr>
+          <a:lstStyle/>
+          <a:p>
+            <a:r>
+              <a:rPr lang="en-US" dirty="0" smtClean="0"/>
+              <a:t>Make this a </a:t>
+            </a:r>
+            <a:r>
+              <a:rPr lang="en-US" smtClean="0"/>
+              <a:t>two-sided test</a:t>
+            </a:r>
+            <a:endParaRPr lang="en-US"/>
+          </a:p>
+        </p:txBody>
+      </p:sp>
     </p:spTree>
   </p:cSld>
   <p:clrMapOvr>
@@ -9010,23 +9109,7 @@
           <a:p>
             <a:r>
               <a:rPr lang="en-US" sz="1700" dirty="0" smtClean="0"/>
-              <a:t>Despite </a:t>
-            </a:r>
-            <a:r>
-              <a:rPr lang="en-US" sz="1700" dirty="0" smtClean="0"/>
-              <a:t>the lack of correction for </a:t>
-            </a:r>
-            <a:r>
-              <a:rPr lang="en-US" sz="1700" dirty="0" smtClean="0"/>
-              <a:t>the conservative nature of the Fisher test, </a:t>
-            </a:r>
-            <a:r>
-              <a:rPr lang="en-US" sz="1700" dirty="0" smtClean="0"/>
-              <a:t>it </a:t>
-            </a:r>
-            <a:r>
-              <a:rPr lang="en-US" sz="1700" dirty="0" smtClean="0"/>
-              <a:t>is reasonably close…</a:t>
+              <a:t>Despite the lack of correction for the conservative nature of the Fisher test, it is reasonably close…</a:t>
             </a:r>
             <a:endParaRPr lang="en-US" sz="1700" dirty="0"/>
           </a:p>
@@ -10977,7 +11060,15 @@
           <a:p>
             <a:r>
               <a:rPr lang="en-US" dirty="0" smtClean="0"/>
-              <a:t>	This is the same problem as for the cards…</a:t>
+              <a:t>	This is </a:t>
+            </a:r>
+            <a:r>
+              <a:rPr lang="en-US" dirty="0" smtClean="0"/>
+              <a:t>(almost) the </a:t>
+            </a:r>
+            <a:r>
+              <a:rPr lang="en-US" dirty="0" smtClean="0"/>
+              <a:t>same problem as for the cards…</a:t>
             </a:r>
           </a:p>
           <a:p>
@@ -11112,7 +11203,15 @@
           <a:p>
             <a:r>
               <a:rPr lang="en-US" dirty="0" smtClean="0"/>
-              <a:t>	This is the same problem as for the cards…</a:t>
+              <a:t>	This is </a:t>
+            </a:r>
+            <a:r>
+              <a:rPr lang="en-US" dirty="0" smtClean="0"/>
+              <a:t>(almost) the </a:t>
+            </a:r>
+            <a:r>
+              <a:rPr lang="en-US" dirty="0" smtClean="0"/>
+              <a:t>same problem as for the cards…</a:t>
             </a:r>
           </a:p>
         </p:txBody>
@@ -11588,7 +11687,7 @@
         <p:spPr>
           <a:xfrm>
             <a:off x="457200" y="228600"/>
-            <a:ext cx="4708853" cy="369332"/>
+            <a:ext cx="5184946" cy="369332"/>
           </a:xfrm>
           <a:prstGeom prst="rect">
             <a:avLst/>
@@ -11603,13 +11702,17 @@
           <a:p>
             <a:r>
               <a:rPr lang="en-US" dirty="0" smtClean="0"/>
-              <a:t>This simulation code is up at the class </a:t>
+              <a:t>This simulation code is up at the </a:t>
             </a:r>
             <a:r>
               <a:rPr lang="en-US" smtClean="0"/>
+              <a:t>(old) class </a:t>
+            </a:r>
+            <a:r>
+              <a:rPr lang="en-US" dirty="0" smtClean="0"/>
               <a:t>web site…</a:t>
             </a:r>
-            <a:endParaRPr lang="en-US"/>
+            <a:endParaRPr lang="en-US" dirty="0"/>
           </a:p>
         </p:txBody>
       </p:sp>

--- a/classes/stats2015/Lecture7.pptx
+++ b/classes/stats2015/Lecture7.pptx
@@ -5,7 +5,7 @@
     <p:sldMasterId id="2147483648" r:id="rId1"/>
   </p:sldMasterIdLst>
   <p:notesMasterIdLst>
-    <p:notesMasterId r:id="rId41"/>
+    <p:notesMasterId r:id="rId39"/>
   </p:notesMasterIdLst>
   <p:sldIdLst>
     <p:sldId id="256" r:id="rId2"/>
@@ -28,25 +28,23 @@
     <p:sldId id="280" r:id="rId19"/>
     <p:sldId id="281" r:id="rId20"/>
     <p:sldId id="282" r:id="rId21"/>
-    <p:sldId id="284" r:id="rId22"/>
-    <p:sldId id="286" r:id="rId23"/>
-    <p:sldId id="287" r:id="rId24"/>
-    <p:sldId id="270" r:id="rId25"/>
-    <p:sldId id="269" r:id="rId26"/>
-    <p:sldId id="271" r:id="rId27"/>
-    <p:sldId id="296" r:id="rId28"/>
-    <p:sldId id="288" r:id="rId29"/>
-    <p:sldId id="272" r:id="rId30"/>
-    <p:sldId id="273" r:id="rId31"/>
-    <p:sldId id="274" r:id="rId32"/>
-    <p:sldId id="275" r:id="rId33"/>
-    <p:sldId id="291" r:id="rId34"/>
-    <p:sldId id="289" r:id="rId35"/>
-    <p:sldId id="295" r:id="rId36"/>
-    <p:sldId id="292" r:id="rId37"/>
-    <p:sldId id="290" r:id="rId38"/>
-    <p:sldId id="293" r:id="rId39"/>
-    <p:sldId id="297" r:id="rId40"/>
+    <p:sldId id="286" r:id="rId22"/>
+    <p:sldId id="287" r:id="rId23"/>
+    <p:sldId id="270" r:id="rId24"/>
+    <p:sldId id="269" r:id="rId25"/>
+    <p:sldId id="271" r:id="rId26"/>
+    <p:sldId id="296" r:id="rId27"/>
+    <p:sldId id="288" r:id="rId28"/>
+    <p:sldId id="272" r:id="rId29"/>
+    <p:sldId id="273" r:id="rId30"/>
+    <p:sldId id="274" r:id="rId31"/>
+    <p:sldId id="275" r:id="rId32"/>
+    <p:sldId id="291" r:id="rId33"/>
+    <p:sldId id="289" r:id="rId34"/>
+    <p:sldId id="292" r:id="rId35"/>
+    <p:sldId id="290" r:id="rId36"/>
+    <p:sldId id="293" r:id="rId37"/>
+    <p:sldId id="297" r:id="rId38"/>
   </p:sldIdLst>
   <p:sldSz cx="9144000" cy="6858000" type="screen4x3"/>
   <p:notesSz cx="6858000" cy="9144000"/>
@@ -231,7 +229,7 @@
             <a:fld id="{EED6FE97-C8F6-414A-BAD9-185DD18CF7E9}" type="datetimeFigureOut">
               <a:rPr lang="en-US" smtClean="0"/>
               <a:pPr/>
-              <a:t>2/8/2015</a:t>
+              <a:t>2/9/2015</a:t>
             </a:fld>
             <a:endParaRPr lang="en-US"/>
           </a:p>
@@ -3039,170 +3037,6 @@
 </p:notes>
 </file>
 
-<file path=ppt/notesSlides/notesSlide38.xml><?xml version="1.0" encoding="utf-8"?>
-<p:notes xmlns:a="http://schemas.openxmlformats.org/drawingml/2006/main" xmlns:r="http://schemas.openxmlformats.org/officeDocument/2006/relationships" xmlns:p="http://schemas.openxmlformats.org/presentationml/2006/main">
-  <p:cSld>
-    <p:spTree>
-      <p:nvGrpSpPr>
-        <p:cNvPr id="1" name=""/>
-        <p:cNvGrpSpPr/>
-        <p:nvPr/>
-      </p:nvGrpSpPr>
-      <p:grpSpPr>
-        <a:xfrm>
-          <a:off x="0" y="0"/>
-          <a:ext cx="0" cy="0"/>
-          <a:chOff x="0" y="0"/>
-          <a:chExt cx="0" cy="0"/>
-        </a:xfrm>
-      </p:grpSpPr>
-      <p:sp>
-        <p:nvSpPr>
-          <p:cNvPr id="2" name="Slide Image Placeholder 1"/>
-          <p:cNvSpPr>
-            <a:spLocks noGrp="1" noRot="1" noChangeAspect="1"/>
-          </p:cNvSpPr>
-          <p:nvPr>
-            <p:ph type="sldImg"/>
-          </p:nvPr>
-        </p:nvSpPr>
-        <p:spPr/>
-      </p:sp>
-      <p:sp>
-        <p:nvSpPr>
-          <p:cNvPr id="3" name="Notes Placeholder 2"/>
-          <p:cNvSpPr>
-            <a:spLocks noGrp="1"/>
-          </p:cNvSpPr>
-          <p:nvPr>
-            <p:ph type="body" idx="1"/>
-          </p:nvPr>
-        </p:nvSpPr>
-        <p:spPr/>
-        <p:txBody>
-          <a:bodyPr>
-            <a:normAutofit/>
-          </a:bodyPr>
-          <a:lstStyle/>
-          <a:p>
-            <a:endParaRPr lang="en-US"/>
-          </a:p>
-        </p:txBody>
-      </p:sp>
-      <p:sp>
-        <p:nvSpPr>
-          <p:cNvPr id="4" name="Slide Number Placeholder 3"/>
-          <p:cNvSpPr>
-            <a:spLocks noGrp="1"/>
-          </p:cNvSpPr>
-          <p:nvPr>
-            <p:ph type="sldNum" sz="quarter" idx="10"/>
-          </p:nvPr>
-        </p:nvSpPr>
-        <p:spPr/>
-        <p:txBody>
-          <a:bodyPr/>
-          <a:lstStyle/>
-          <a:p>
-            <a:fld id="{D244EC3E-385A-4462-A0B4-D188B5F4F125}" type="slidenum">
-              <a:rPr lang="en-US" smtClean="0"/>
-              <a:pPr/>
-              <a:t>38</a:t>
-            </a:fld>
-            <a:endParaRPr lang="en-US"/>
-          </a:p>
-        </p:txBody>
-      </p:sp>
-    </p:spTree>
-  </p:cSld>
-  <p:clrMapOvr>
-    <a:masterClrMapping/>
-  </p:clrMapOvr>
-</p:notes>
-</file>
-
-<file path=ppt/notesSlides/notesSlide39.xml><?xml version="1.0" encoding="utf-8"?>
-<p:notes xmlns:a="http://schemas.openxmlformats.org/drawingml/2006/main" xmlns:r="http://schemas.openxmlformats.org/officeDocument/2006/relationships" xmlns:p="http://schemas.openxmlformats.org/presentationml/2006/main">
-  <p:cSld>
-    <p:spTree>
-      <p:nvGrpSpPr>
-        <p:cNvPr id="1" name=""/>
-        <p:cNvGrpSpPr/>
-        <p:nvPr/>
-      </p:nvGrpSpPr>
-      <p:grpSpPr>
-        <a:xfrm>
-          <a:off x="0" y="0"/>
-          <a:ext cx="0" cy="0"/>
-          <a:chOff x="0" y="0"/>
-          <a:chExt cx="0" cy="0"/>
-        </a:xfrm>
-      </p:grpSpPr>
-      <p:sp>
-        <p:nvSpPr>
-          <p:cNvPr id="2" name="Slide Image Placeholder 1"/>
-          <p:cNvSpPr>
-            <a:spLocks noGrp="1" noRot="1" noChangeAspect="1"/>
-          </p:cNvSpPr>
-          <p:nvPr>
-            <p:ph type="sldImg"/>
-          </p:nvPr>
-        </p:nvSpPr>
-        <p:spPr/>
-      </p:sp>
-      <p:sp>
-        <p:nvSpPr>
-          <p:cNvPr id="3" name="Notes Placeholder 2"/>
-          <p:cNvSpPr>
-            <a:spLocks noGrp="1"/>
-          </p:cNvSpPr>
-          <p:nvPr>
-            <p:ph type="body" idx="1"/>
-          </p:nvPr>
-        </p:nvSpPr>
-        <p:spPr/>
-        <p:txBody>
-          <a:bodyPr>
-            <a:normAutofit/>
-          </a:bodyPr>
-          <a:lstStyle/>
-          <a:p>
-            <a:endParaRPr lang="en-US"/>
-          </a:p>
-        </p:txBody>
-      </p:sp>
-      <p:sp>
-        <p:nvSpPr>
-          <p:cNvPr id="4" name="Slide Number Placeholder 3"/>
-          <p:cNvSpPr>
-            <a:spLocks noGrp="1"/>
-          </p:cNvSpPr>
-          <p:nvPr>
-            <p:ph type="sldNum" sz="quarter" idx="10"/>
-          </p:nvPr>
-        </p:nvSpPr>
-        <p:spPr/>
-        <p:txBody>
-          <a:bodyPr/>
-          <a:lstStyle/>
-          <a:p>
-            <a:fld id="{D244EC3E-385A-4462-A0B4-D188B5F4F125}" type="slidenum">
-              <a:rPr lang="en-US" smtClean="0"/>
-              <a:pPr/>
-              <a:t>39</a:t>
-            </a:fld>
-            <a:endParaRPr lang="en-US"/>
-          </a:p>
-        </p:txBody>
-      </p:sp>
-    </p:spTree>
-  </p:cSld>
-  <p:clrMapOvr>
-    <a:masterClrMapping/>
-  </p:clrMapOvr>
-</p:notes>
-</file>
-
 <file path=ppt/notesSlides/notesSlide4.xml><?xml version="1.0" encoding="utf-8"?>
 <p:notes xmlns:a="http://schemas.openxmlformats.org/drawingml/2006/main" xmlns:r="http://schemas.openxmlformats.org/officeDocument/2006/relationships" xmlns:p="http://schemas.openxmlformats.org/presentationml/2006/main">
   <p:cSld>
@@ -3877,7 +3711,7 @@
             <a:fld id="{1D8BD707-D9CF-40AE-B4C6-C98DA3205C09}" type="datetimeFigureOut">
               <a:rPr lang="en-US" smtClean="0"/>
               <a:pPr/>
-              <a:t>2/8/2015</a:t>
+              <a:t>2/9/2015</a:t>
             </a:fld>
             <a:endParaRPr lang="en-US"/>
           </a:p>
@@ -4044,7 +3878,7 @@
             <a:fld id="{1D8BD707-D9CF-40AE-B4C6-C98DA3205C09}" type="datetimeFigureOut">
               <a:rPr lang="en-US" smtClean="0"/>
               <a:pPr/>
-              <a:t>2/8/2015</a:t>
+              <a:t>2/9/2015</a:t>
             </a:fld>
             <a:endParaRPr lang="en-US"/>
           </a:p>
@@ -4221,7 +4055,7 @@
             <a:fld id="{1D8BD707-D9CF-40AE-B4C6-C98DA3205C09}" type="datetimeFigureOut">
               <a:rPr lang="en-US" smtClean="0"/>
               <a:pPr/>
-              <a:t>2/8/2015</a:t>
+              <a:t>2/9/2015</a:t>
             </a:fld>
             <a:endParaRPr lang="en-US"/>
           </a:p>
@@ -4388,7 +4222,7 @@
             <a:fld id="{1D8BD707-D9CF-40AE-B4C6-C98DA3205C09}" type="datetimeFigureOut">
               <a:rPr lang="en-US" smtClean="0"/>
               <a:pPr/>
-              <a:t>2/8/2015</a:t>
+              <a:t>2/9/2015</a:t>
             </a:fld>
             <a:endParaRPr lang="en-US"/>
           </a:p>
@@ -4631,7 +4465,7 @@
             <a:fld id="{1D8BD707-D9CF-40AE-B4C6-C98DA3205C09}" type="datetimeFigureOut">
               <a:rPr lang="en-US" smtClean="0"/>
               <a:pPr/>
-              <a:t>2/8/2015</a:t>
+              <a:t>2/9/2015</a:t>
             </a:fld>
             <a:endParaRPr lang="en-US"/>
           </a:p>
@@ -4916,7 +4750,7 @@
             <a:fld id="{1D8BD707-D9CF-40AE-B4C6-C98DA3205C09}" type="datetimeFigureOut">
               <a:rPr lang="en-US" smtClean="0"/>
               <a:pPr/>
-              <a:t>2/8/2015</a:t>
+              <a:t>2/9/2015</a:t>
             </a:fld>
             <a:endParaRPr lang="en-US"/>
           </a:p>
@@ -5335,7 +5169,7 @@
             <a:fld id="{1D8BD707-D9CF-40AE-B4C6-C98DA3205C09}" type="datetimeFigureOut">
               <a:rPr lang="en-US" smtClean="0"/>
               <a:pPr/>
-              <a:t>2/8/2015</a:t>
+              <a:t>2/9/2015</a:t>
             </a:fld>
             <a:endParaRPr lang="en-US"/>
           </a:p>
@@ -5450,7 +5284,7 @@
             <a:fld id="{1D8BD707-D9CF-40AE-B4C6-C98DA3205C09}" type="datetimeFigureOut">
               <a:rPr lang="en-US" smtClean="0"/>
               <a:pPr/>
-              <a:t>2/8/2015</a:t>
+              <a:t>2/9/2015</a:t>
             </a:fld>
             <a:endParaRPr lang="en-US"/>
           </a:p>
@@ -5542,7 +5376,7 @@
             <a:fld id="{1D8BD707-D9CF-40AE-B4C6-C98DA3205C09}" type="datetimeFigureOut">
               <a:rPr lang="en-US" smtClean="0"/>
               <a:pPr/>
-              <a:t>2/8/2015</a:t>
+              <a:t>2/9/2015</a:t>
             </a:fld>
             <a:endParaRPr lang="en-US"/>
           </a:p>
@@ -5816,7 +5650,7 @@
             <a:fld id="{1D8BD707-D9CF-40AE-B4C6-C98DA3205C09}" type="datetimeFigureOut">
               <a:rPr lang="en-US" smtClean="0"/>
               <a:pPr/>
-              <a:t>2/8/2015</a:t>
+              <a:t>2/9/2015</a:t>
             </a:fld>
             <a:endParaRPr lang="en-US"/>
           </a:p>
@@ -6066,7 +5900,7 @@
             <a:fld id="{1D8BD707-D9CF-40AE-B4C6-C98DA3205C09}" type="datetimeFigureOut">
               <a:rPr lang="en-US" smtClean="0"/>
               <a:pPr/>
-              <a:t>2/8/2015</a:t>
+              <a:t>2/9/2015</a:t>
             </a:fld>
             <a:endParaRPr lang="en-US"/>
           </a:p>
@@ -6276,7 +6110,7 @@
             <a:fld id="{1D8BD707-D9CF-40AE-B4C6-C98DA3205C09}" type="datetimeFigureOut">
               <a:rPr lang="en-US" smtClean="0"/>
               <a:pPr/>
-              <a:t>2/8/2015</a:t>
+              <a:t>2/9/2015</a:t>
             </a:fld>
             <a:endParaRPr lang="en-US"/>
           </a:p>
@@ -7350,19 +7184,7 @@
           <a:p>
             <a:r>
               <a:rPr lang="en-US" dirty="0" smtClean="0"/>
-              <a:t>An example of the </a:t>
-            </a:r>
-            <a:r>
-              <a:rPr lang="en-US" dirty="0" err="1" smtClean="0"/>
-              <a:t>hypergeometric</a:t>
-            </a:r>
-            <a:r>
-              <a:rPr lang="en-US" dirty="0" smtClean="0"/>
-              <a:t> </a:t>
-            </a:r>
-            <a:r>
-              <a:rPr lang="en-US" dirty="0" smtClean="0"/>
-              <a:t>distribution from the genomics literature:</a:t>
+              <a:t>An example of the hypermetric distribution from the genomics literature:</a:t>
             </a:r>
           </a:p>
           <a:p>
@@ -7454,19 +7276,7 @@
           <a:p>
             <a:r>
               <a:rPr lang="en-US" dirty="0" smtClean="0"/>
-              <a:t>An example of the </a:t>
-            </a:r>
-            <a:r>
-              <a:rPr lang="en-US" dirty="0" err="1" smtClean="0"/>
-              <a:t>hypergeometric</a:t>
-            </a:r>
-            <a:r>
-              <a:rPr lang="en-US" dirty="0" smtClean="0"/>
-              <a:t> </a:t>
-            </a:r>
-            <a:r>
-              <a:rPr lang="en-US" dirty="0" smtClean="0"/>
-              <a:t>distribution from the genomics literature:</a:t>
+              <a:t>An example of the hypermetric distribution from the genomics literature:</a:t>
             </a:r>
           </a:p>
           <a:p>
@@ -7658,7 +7468,7 @@
         </p:nvSpPr>
         <p:spPr>
           <a:xfrm>
-            <a:off x="203498" y="5456872"/>
+            <a:off x="203498" y="4971871"/>
             <a:ext cx="3740896" cy="1477328"/>
           </a:xfrm>
           <a:prstGeom prst="rect">
@@ -8058,58 +7868,6 @@
             <a:r>
               <a:rPr lang="en-US" dirty="0" smtClean="0"/>
               <a:t>To put this into R:</a:t>
-            </a:r>
-            <a:endParaRPr lang="en-US" dirty="0"/>
-          </a:p>
-        </p:txBody>
-      </p:sp>
-      <p:sp>
-        <p:nvSpPr>
-          <p:cNvPr id="20" name="TextBox 19"/>
-          <p:cNvSpPr txBox="1"/>
-          <p:nvPr/>
-        </p:nvSpPr>
-        <p:spPr>
-          <a:xfrm>
-            <a:off x="304800" y="4800600"/>
-            <a:ext cx="3676199" cy="646331"/>
-          </a:xfrm>
-          <a:prstGeom prst="rect">
-            <a:avLst/>
-          </a:prstGeom>
-          <a:noFill/>
-        </p:spPr>
-        <p:txBody>
-          <a:bodyPr wrap="none" rtlCol="0">
-            <a:spAutoFit/>
-          </a:bodyPr>
-          <a:lstStyle/>
-          <a:p>
-            <a:r>
-              <a:rPr lang="en-US" dirty="0" smtClean="0"/>
-              <a:t>If a </a:t>
-            </a:r>
-            <a:r>
-              <a:rPr lang="en-US" dirty="0" smtClean="0"/>
-              <a:t>read is </a:t>
-            </a:r>
-            <a:r>
-              <a:rPr lang="en-US" dirty="0" smtClean="0"/>
-              <a:t>assigned to a given gene it</a:t>
-            </a:r>
-          </a:p>
-          <a:p>
-            <a:r>
-              <a:rPr lang="en-US" dirty="0" smtClean="0"/>
-              <a:t>is marked – </a:t>
-            </a:r>
-            <a:r>
-              <a:rPr lang="en-US" dirty="0" smtClean="0"/>
-              <a:t>consider</a:t>
-            </a:r>
-            <a:r>
-              <a:rPr lang="en-US" dirty="0" smtClean="0"/>
-              <a:t>….</a:t>
             </a:r>
             <a:endParaRPr lang="en-US" dirty="0"/>
           </a:p>
@@ -8707,7 +8465,7 @@
         </p:nvSpPr>
         <p:spPr>
           <a:xfrm>
-            <a:off x="457200" y="152400"/>
+            <a:off x="457200" y="-28575"/>
             <a:ext cx="8160183" cy="369332"/>
           </a:xfrm>
           <a:prstGeom prst="rect">
@@ -8746,7 +8504,7 @@
         </p:blipFill>
         <p:spPr bwMode="auto">
           <a:xfrm>
-            <a:off x="381000" y="533400"/>
+            <a:off x="381000" y="352425"/>
             <a:ext cx="3457575" cy="752475"/>
           </a:xfrm>
           <a:prstGeom prst="rect">
@@ -8778,7 +8536,7 @@
         </p:blipFill>
         <p:spPr bwMode="auto">
           <a:xfrm>
-            <a:off x="3829050" y="685800"/>
+            <a:off x="3829050" y="504825"/>
             <a:ext cx="5162550" cy="5972175"/>
           </a:xfrm>
           <a:prstGeom prst="rect">
@@ -8801,7 +8559,7 @@
         </p:nvCxnSpPr>
         <p:spPr>
           <a:xfrm flipV="1">
-            <a:off x="3124200" y="1600200"/>
+            <a:off x="3124200" y="1419225"/>
             <a:ext cx="914400" cy="457200"/>
           </a:xfrm>
           <a:prstGeom prst="straightConnector1">
@@ -8834,7 +8592,7 @@
         </p:nvSpPr>
         <p:spPr>
           <a:xfrm>
-            <a:off x="1219200" y="2057400"/>
+            <a:off x="1219200" y="1876425"/>
             <a:ext cx="2374753" cy="646331"/>
           </a:xfrm>
           <a:prstGeom prst="rect">
@@ -8862,70 +8620,32 @@
           </a:p>
         </p:txBody>
       </p:sp>
-      <p:cxnSp>
-        <p:nvCxnSpPr>
-          <p:cNvPr id="9" name="Straight Arrow Connector 8"/>
-          <p:cNvCxnSpPr/>
-          <p:nvPr/>
-        </p:nvCxnSpPr>
+      <p:sp>
+        <p:nvSpPr>
+          <p:cNvPr id="8" name="Rectangle 7"/>
+          <p:cNvSpPr/>
+          <p:nvPr/>
+        </p:nvSpPr>
         <p:spPr>
-          <a:xfrm flipV="1">
-            <a:off x="3505200" y="4343400"/>
-            <a:ext cx="533400" cy="228600"/>
-          </a:xfrm>
-          <a:prstGeom prst="straightConnector1">
-            <a:avLst/>
-          </a:prstGeom>
-          <a:ln>
-            <a:tailEnd type="arrow"/>
-          </a:ln>
-        </p:spPr>
-        <p:style>
-          <a:lnRef idx="1">
-            <a:schemeClr val="accent1"/>
-          </a:lnRef>
-          <a:fillRef idx="0">
-            <a:schemeClr val="accent1"/>
-          </a:fillRef>
-          <a:effectRef idx="0">
-            <a:schemeClr val="accent1"/>
-          </a:effectRef>
-          <a:fontRef idx="minor">
-            <a:schemeClr val="tx1"/>
-          </a:fontRef>
-        </p:style>
-      </p:cxnSp>
-      <p:sp>
-        <p:nvSpPr>
-          <p:cNvPr id="10" name="TextBox 9"/>
-          <p:cNvSpPr txBox="1"/>
-          <p:nvPr/>
-        </p:nvSpPr>
-        <p:spPr>
-          <a:xfrm>
-            <a:off x="1066800" y="4495800"/>
-            <a:ext cx="2656305" cy="369332"/>
+          <a:xfrm>
+            <a:off x="76200" y="6477000"/>
+            <a:ext cx="11506200" cy="307777"/>
           </a:xfrm>
           <a:prstGeom prst="rect">
             <a:avLst/>
           </a:prstGeom>
-          <a:noFill/>
-        </p:spPr>
-        <p:txBody>
-          <a:bodyPr wrap="none" rtlCol="0">
+        </p:spPr>
+        <p:txBody>
+          <a:bodyPr wrap="square">
             <a:spAutoFit/>
           </a:bodyPr>
           <a:lstStyle/>
           <a:p>
             <a:r>
-              <a:rPr lang="en-US" dirty="0" smtClean="0"/>
-              <a:t>Make this a </a:t>
-            </a:r>
-            <a:r>
-              <a:rPr lang="en-US" smtClean="0"/>
-              <a:t>two-sided test</a:t>
-            </a:r>
-            <a:endParaRPr lang="en-US"/>
+              <a:rPr lang="en-US" sz="1400" dirty="0" smtClean="0"/>
+              <a:t>https://github.com/afodor/metagenomicsTools/blob/master/src/classExamples/simDist/hyper.txt</a:t>
+            </a:r>
+            <a:endParaRPr lang="en-US" sz="1400" dirty="0"/>
           </a:p>
         </p:txBody>
       </p:sp>
@@ -9093,8 +8813,8 @@
         </p:nvSpPr>
         <p:spPr>
           <a:xfrm>
-            <a:off x="122762" y="103257"/>
-            <a:ext cx="8868838" cy="353943"/>
+            <a:off x="228600" y="76200"/>
+            <a:ext cx="4028860" cy="369332"/>
           </a:xfrm>
           <a:prstGeom prst="rect">
             <a:avLst/>
@@ -9108,10 +8828,10 @@
           <a:lstStyle/>
           <a:p>
             <a:r>
-              <a:rPr lang="en-US" sz="1700" dirty="0" smtClean="0"/>
-              <a:t>Despite the lack of correction for the conservative nature of the Fisher test, it is reasonably close…</a:t>
-            </a:r>
-            <a:endParaRPr lang="en-US" sz="1700" dirty="0"/>
+              <a:rPr lang="en-US" dirty="0" smtClean="0"/>
+              <a:t>This is (of course) uniformly distributed…</a:t>
+            </a:r>
+            <a:endParaRPr lang="en-US" dirty="0"/>
           </a:p>
         </p:txBody>
       </p:sp>
@@ -9140,39 +8860,9 @@
           <a:chExt cx="0" cy="0"/>
         </a:xfrm>
       </p:grpSpPr>
-      <p:sp>
-        <p:nvSpPr>
-          <p:cNvPr id="4" name="TextBox 3"/>
-          <p:cNvSpPr txBox="1"/>
-          <p:nvPr/>
-        </p:nvSpPr>
-        <p:spPr>
-          <a:xfrm>
-            <a:off x="685800" y="152400"/>
-            <a:ext cx="3955378" cy="369332"/>
-          </a:xfrm>
-          <a:prstGeom prst="rect">
-            <a:avLst/>
-          </a:prstGeom>
-          <a:noFill/>
-        </p:spPr>
-        <p:txBody>
-          <a:bodyPr wrap="none" rtlCol="0">
-            <a:spAutoFit/>
-          </a:bodyPr>
-          <a:lstStyle/>
-          <a:p>
-            <a:r>
-              <a:rPr lang="en-US" dirty="0" smtClean="0"/>
-              <a:t>This version is up on the class web site…</a:t>
-            </a:r>
-            <a:endParaRPr lang="en-US" dirty="0"/>
-          </a:p>
-        </p:txBody>
-      </p:sp>
       <p:pic>
         <p:nvPicPr>
-          <p:cNvPr id="23554" name="Picture 2"/>
+          <p:cNvPr id="24578" name="Picture 2"/>
           <p:cNvPicPr>
             <a:picLocks noChangeAspect="1" noChangeArrowheads="1"/>
           </p:cNvPicPr>
@@ -9187,8 +8877,8 @@
         </p:blipFill>
         <p:spPr bwMode="auto">
           <a:xfrm>
-            <a:off x="685800" y="533400"/>
-            <a:ext cx="7239000" cy="5951293"/>
+            <a:off x="914400" y="762000"/>
+            <a:ext cx="6591300" cy="3152775"/>
           </a:xfrm>
           <a:prstGeom prst="rect">
             <a:avLst/>
@@ -9202,63 +8892,99 @@
           </a:ln>
         </p:spPr>
       </p:pic>
-      <p:cxnSp>
-        <p:nvCxnSpPr>
-          <p:cNvPr id="7" name="Straight Arrow Connector 6"/>
-          <p:cNvCxnSpPr/>
-          <p:nvPr/>
-        </p:nvCxnSpPr>
+      <p:sp>
+        <p:nvSpPr>
+          <p:cNvPr id="5" name="TextBox 4"/>
+          <p:cNvSpPr txBox="1"/>
+          <p:nvPr/>
+        </p:nvSpPr>
         <p:spPr>
-          <a:xfrm flipV="1">
-            <a:off x="304800" y="6172200"/>
-            <a:ext cx="685800" cy="381000"/>
-          </a:xfrm>
-          <a:prstGeom prst="straightConnector1">
-            <a:avLst/>
-          </a:prstGeom>
-          <a:ln>
-            <a:tailEnd type="arrow"/>
-          </a:ln>
-        </p:spPr>
-        <p:style>
-          <a:lnRef idx="1">
-            <a:schemeClr val="accent1"/>
-          </a:lnRef>
-          <a:fillRef idx="0">
-            <a:schemeClr val="accent1"/>
-          </a:fillRef>
-          <a:effectRef idx="0">
-            <a:schemeClr val="accent1"/>
-          </a:effectRef>
-          <a:fontRef idx="minor">
-            <a:schemeClr val="tx1"/>
-          </a:fontRef>
-        </p:style>
-      </p:cxnSp>
-      <p:sp>
-        <p:nvSpPr>
-          <p:cNvPr id="5" name="Rectangle 4"/>
-          <p:cNvSpPr/>
-          <p:nvPr/>
-        </p:nvSpPr>
-        <p:spPr>
-          <a:xfrm>
-            <a:off x="1219200" y="6324600"/>
-            <a:ext cx="6858000" cy="369332"/>
+          <a:xfrm>
+            <a:off x="990600" y="381000"/>
+            <a:ext cx="6060442" cy="369332"/>
           </a:xfrm>
           <a:prstGeom prst="rect">
             <a:avLst/>
           </a:prstGeom>
-        </p:spPr>
-        <p:txBody>
-          <a:bodyPr wrap="square">
+          <a:noFill/>
+        </p:spPr>
+        <p:txBody>
+          <a:bodyPr wrap="none" rtlCol="0">
             <a:spAutoFit/>
           </a:bodyPr>
           <a:lstStyle/>
           <a:p>
             <a:r>
               <a:rPr lang="en-US" dirty="0" smtClean="0"/>
-              <a:t>http://bigscience.uncc.edu/fodorstatistics2013/hyperSim.txt/view</a:t>
+              <a:t>It is interesting to compare our simulation to the real lane data</a:t>
+            </a:r>
+            <a:endParaRPr lang="en-US" dirty="0"/>
+          </a:p>
+        </p:txBody>
+      </p:sp>
+      <p:pic>
+        <p:nvPicPr>
+          <p:cNvPr id="24579" name="Picture 3"/>
+          <p:cNvPicPr>
+            <a:picLocks noChangeAspect="1" noChangeArrowheads="1"/>
+          </p:cNvPicPr>
+          <p:nvPr/>
+        </p:nvPicPr>
+        <p:blipFill>
+          <a:blip r:embed="rId4" cstate="print"/>
+          <a:srcRect/>
+          <a:stretch>
+            <a:fillRect/>
+          </a:stretch>
+        </p:blipFill>
+        <p:spPr bwMode="auto">
+          <a:xfrm>
+            <a:off x="5257800" y="3505200"/>
+            <a:ext cx="3067050" cy="3181350"/>
+          </a:xfrm>
+          <a:prstGeom prst="rect">
+            <a:avLst/>
+          </a:prstGeom>
+          <a:noFill/>
+          <a:ln w="9525">
+            <a:noFill/>
+            <a:miter lim="800000"/>
+            <a:headEnd/>
+            <a:tailEnd/>
+          </a:ln>
+        </p:spPr>
+      </p:pic>
+      <p:sp>
+        <p:nvSpPr>
+          <p:cNvPr id="7" name="TextBox 6"/>
+          <p:cNvSpPr txBox="1"/>
+          <p:nvPr/>
+        </p:nvSpPr>
+        <p:spPr>
+          <a:xfrm>
+            <a:off x="533400" y="4191000"/>
+            <a:ext cx="4447756" cy="646331"/>
+          </a:xfrm>
+          <a:prstGeom prst="rect">
+            <a:avLst/>
+          </a:prstGeom>
+          <a:noFill/>
+        </p:spPr>
+        <p:txBody>
+          <a:bodyPr wrap="none" rtlCol="0">
+            <a:spAutoFit/>
+          </a:bodyPr>
+          <a:lstStyle/>
+          <a:p>
+            <a:r>
+              <a:rPr lang="en-US" dirty="0" smtClean="0"/>
+              <a:t>Clearly the real data does have some artifacts</a:t>
+            </a:r>
+          </a:p>
+          <a:p>
+            <a:r>
+              <a:rPr lang="en-US" dirty="0" smtClean="0"/>
+              <a:t>that effect the distribution of a few genes…</a:t>
             </a:r>
             <a:endParaRPr lang="en-US" dirty="0"/>
           </a:p>
@@ -9291,7 +9017,7 @@
       </p:grpSpPr>
       <p:pic>
         <p:nvPicPr>
-          <p:cNvPr id="24578" name="Picture 2"/>
+          <p:cNvPr id="25602" name="Picture 2"/>
           <p:cNvPicPr>
             <a:picLocks noChangeAspect="1" noChangeArrowheads="1"/>
           </p:cNvPicPr>
@@ -9306,8 +9032,8 @@
         </p:blipFill>
         <p:spPr bwMode="auto">
           <a:xfrm>
-            <a:off x="914400" y="762000"/>
-            <a:ext cx="6591300" cy="3152775"/>
+            <a:off x="1371600" y="2286000"/>
+            <a:ext cx="3924300" cy="666750"/>
           </a:xfrm>
           <a:prstGeom prst="rect">
             <a:avLst/>
@@ -9329,8 +9055,8 @@
         </p:nvSpPr>
         <p:spPr>
           <a:xfrm>
-            <a:off x="990600" y="381000"/>
-            <a:ext cx="6060442" cy="369332"/>
+            <a:off x="762000" y="228600"/>
+            <a:ext cx="6476132" cy="923330"/>
           </a:xfrm>
           <a:prstGeom prst="rect">
             <a:avLst/>
@@ -9345,15 +9071,23 @@
           <a:p>
             <a:r>
               <a:rPr lang="en-US" dirty="0" smtClean="0"/>
-              <a:t>It is interesting to compare our simulation to the real lane data</a:t>
-            </a:r>
+              <a:t>We can simulate a differential expression experiment by having the</a:t>
+            </a:r>
+          </a:p>
+          <a:p>
+            <a:r>
+              <a:rPr lang="en-US" dirty="0" smtClean="0"/>
+              <a:t>true frequency of expression be different…</a:t>
+            </a:r>
+          </a:p>
+          <a:p>
             <a:endParaRPr lang="en-US" dirty="0"/>
           </a:p>
         </p:txBody>
       </p:sp>
       <p:pic>
         <p:nvPicPr>
-          <p:cNvPr id="24579" name="Picture 3"/>
+          <p:cNvPr id="6" name="Picture 3"/>
           <p:cNvPicPr>
             <a:picLocks noChangeAspect="1" noChangeArrowheads="1"/>
           </p:cNvPicPr>
@@ -9368,8 +9102,8 @@
         </p:blipFill>
         <p:spPr bwMode="auto">
           <a:xfrm>
-            <a:off x="5257800" y="3505200"/>
-            <a:ext cx="3067050" cy="3181350"/>
+            <a:off x="1447800" y="1143000"/>
+            <a:ext cx="3457575" cy="752475"/>
           </a:xfrm>
           <a:prstGeom prst="rect">
             <a:avLst/>
@@ -9385,14 +9119,60 @@
       </p:pic>
       <p:sp>
         <p:nvSpPr>
-          <p:cNvPr id="7" name="TextBox 6"/>
+          <p:cNvPr id="7" name="Rectangle 6"/>
+          <p:cNvSpPr/>
+          <p:nvPr/>
+        </p:nvSpPr>
+        <p:spPr>
+          <a:xfrm>
+            <a:off x="1143000" y="1676400"/>
+            <a:ext cx="3657600" cy="762000"/>
+          </a:xfrm>
+          <a:prstGeom prst="rect">
+            <a:avLst/>
+          </a:prstGeom>
+          <a:solidFill>
+            <a:schemeClr val="bg1"/>
+          </a:solidFill>
+          <a:ln>
+            <a:noFill/>
+          </a:ln>
+        </p:spPr>
+        <p:style>
+          <a:lnRef idx="2">
+            <a:schemeClr val="accent1">
+              <a:shade val="50000"/>
+            </a:schemeClr>
+          </a:lnRef>
+          <a:fillRef idx="1">
+            <a:schemeClr val="accent1"/>
+          </a:fillRef>
+          <a:effectRef idx="0">
+            <a:schemeClr val="accent1"/>
+          </a:effectRef>
+          <a:fontRef idx="minor">
+            <a:schemeClr val="lt1"/>
+          </a:fontRef>
+        </p:style>
+        <p:txBody>
+          <a:bodyPr rtlCol="0" anchor="ctr"/>
+          <a:lstStyle/>
+          <a:p>
+            <a:pPr algn="ctr"/>
+            <a:endParaRPr lang="en-US"/>
+          </a:p>
+        </p:txBody>
+      </p:sp>
+      <p:sp>
+        <p:nvSpPr>
+          <p:cNvPr id="8" name="TextBox 7"/>
           <p:cNvSpPr txBox="1"/>
           <p:nvPr/>
         </p:nvSpPr>
         <p:spPr>
           <a:xfrm>
-            <a:off x="533400" y="4191000"/>
-            <a:ext cx="4447756" cy="646331"/>
+            <a:off x="4648200" y="1143000"/>
+            <a:ext cx="1688796" cy="369332"/>
           </a:xfrm>
           <a:prstGeom prst="rect">
             <a:avLst/>
@@ -9407,15 +9187,186 @@
           <a:p>
             <a:r>
               <a:rPr lang="en-US" dirty="0" smtClean="0"/>
-              <a:t>Clearly the real data does have some artifacts</a:t>
-            </a:r>
-          </a:p>
-          <a:p>
-            <a:r>
-              <a:rPr lang="en-US" dirty="0" smtClean="0"/>
-              <a:t>that effect the distribution of a few genes…</a:t>
+              <a:t>Null hypotheses</a:t>
             </a:r>
             <a:endParaRPr lang="en-US" dirty="0"/>
+          </a:p>
+        </p:txBody>
+      </p:sp>
+      <p:cxnSp>
+        <p:nvCxnSpPr>
+          <p:cNvPr id="10" name="Straight Arrow Connector 9"/>
+          <p:cNvCxnSpPr/>
+          <p:nvPr/>
+        </p:nvCxnSpPr>
+        <p:spPr>
+          <a:xfrm flipV="1">
+            <a:off x="4495800" y="2895600"/>
+            <a:ext cx="152400" cy="533400"/>
+          </a:xfrm>
+          <a:prstGeom prst="straightConnector1">
+            <a:avLst/>
+          </a:prstGeom>
+          <a:ln>
+            <a:tailEnd type="arrow"/>
+          </a:ln>
+        </p:spPr>
+        <p:style>
+          <a:lnRef idx="1">
+            <a:schemeClr val="accent1"/>
+          </a:lnRef>
+          <a:fillRef idx="0">
+            <a:schemeClr val="accent1"/>
+          </a:fillRef>
+          <a:effectRef idx="0">
+            <a:schemeClr val="accent1"/>
+          </a:effectRef>
+          <a:fontRef idx="minor">
+            <a:schemeClr val="tx1"/>
+          </a:fontRef>
+        </p:style>
+      </p:cxnSp>
+      <p:sp>
+        <p:nvSpPr>
+          <p:cNvPr id="11" name="TextBox 10"/>
+          <p:cNvSpPr txBox="1"/>
+          <p:nvPr/>
+        </p:nvSpPr>
+        <p:spPr>
+          <a:xfrm>
+            <a:off x="4876800" y="2438400"/>
+            <a:ext cx="2289025" cy="369332"/>
+          </a:xfrm>
+          <a:prstGeom prst="rect">
+            <a:avLst/>
+          </a:prstGeom>
+          <a:noFill/>
+        </p:spPr>
+        <p:txBody>
+          <a:bodyPr wrap="none" rtlCol="0">
+            <a:spAutoFit/>
+          </a:bodyPr>
+          <a:lstStyle/>
+          <a:p>
+            <a:r>
+              <a:rPr lang="en-US" dirty="0" smtClean="0"/>
+              <a:t>Differential expression</a:t>
+            </a:r>
+            <a:endParaRPr lang="en-US" dirty="0"/>
+          </a:p>
+        </p:txBody>
+      </p:sp>
+      <p:pic>
+        <p:nvPicPr>
+          <p:cNvPr id="25603" name="Picture 3"/>
+          <p:cNvPicPr>
+            <a:picLocks noChangeAspect="1" noChangeArrowheads="1"/>
+          </p:cNvPicPr>
+          <p:nvPr/>
+        </p:nvPicPr>
+        <p:blipFill>
+          <a:blip r:embed="rId5" cstate="print"/>
+          <a:srcRect/>
+          <a:stretch>
+            <a:fillRect/>
+          </a:stretch>
+        </p:blipFill>
+        <p:spPr bwMode="auto">
+          <a:xfrm>
+            <a:off x="4495800" y="2895600"/>
+            <a:ext cx="3814762" cy="3820866"/>
+          </a:xfrm>
+          <a:prstGeom prst="rect">
+            <a:avLst/>
+          </a:prstGeom>
+          <a:noFill/>
+          <a:ln w="9525">
+            <a:noFill/>
+            <a:miter lim="800000"/>
+            <a:headEnd/>
+            <a:tailEnd/>
+          </a:ln>
+        </p:spPr>
+      </p:pic>
+      <p:pic>
+        <p:nvPicPr>
+          <p:cNvPr id="25604" name="Picture 4"/>
+          <p:cNvPicPr>
+            <a:picLocks noChangeAspect="1" noChangeArrowheads="1"/>
+          </p:cNvPicPr>
+          <p:nvPr/>
+        </p:nvPicPr>
+        <p:blipFill>
+          <a:blip r:embed="rId6" cstate="print"/>
+          <a:srcRect/>
+          <a:stretch>
+            <a:fillRect/>
+          </a:stretch>
+        </p:blipFill>
+        <p:spPr bwMode="auto">
+          <a:xfrm>
+            <a:off x="781050" y="3048000"/>
+            <a:ext cx="3028950" cy="3248025"/>
+          </a:xfrm>
+          <a:prstGeom prst="rect">
+            <a:avLst/>
+          </a:prstGeom>
+          <a:noFill/>
+          <a:ln w="9525">
+            <a:noFill/>
+            <a:miter lim="800000"/>
+            <a:headEnd/>
+            <a:tailEnd/>
+          </a:ln>
+        </p:spPr>
+      </p:pic>
+      <p:sp>
+        <p:nvSpPr>
+          <p:cNvPr id="14" name="TextBox 13"/>
+          <p:cNvSpPr txBox="1"/>
+          <p:nvPr/>
+        </p:nvSpPr>
+        <p:spPr>
+          <a:xfrm>
+            <a:off x="0" y="6412468"/>
+            <a:ext cx="5690982" cy="307777"/>
+          </a:xfrm>
+          <a:prstGeom prst="rect">
+            <a:avLst/>
+          </a:prstGeom>
+          <a:noFill/>
+        </p:spPr>
+        <p:txBody>
+          <a:bodyPr wrap="none" rtlCol="0">
+            <a:spAutoFit/>
+          </a:bodyPr>
+          <a:lstStyle/>
+          <a:p>
+            <a:r>
+              <a:rPr lang="en-US" sz="1400" dirty="0" smtClean="0">
+                <a:latin typeface="Arial" pitchFamily="34" charset="0"/>
+                <a:cs typeface="Arial" pitchFamily="34" charset="0"/>
+              </a:rPr>
+              <a:t>(Maybe the </a:t>
+            </a:r>
+            <a:r>
+              <a:rPr lang="en-US" sz="1400" dirty="0" err="1" smtClean="0">
+                <a:latin typeface="Arial" pitchFamily="34" charset="0"/>
+                <a:cs typeface="Arial" pitchFamily="34" charset="0"/>
+              </a:rPr>
+              <a:t>hypergeomteric</a:t>
+            </a:r>
+            <a:r>
+              <a:rPr lang="en-US" sz="1400" dirty="0" smtClean="0">
+                <a:latin typeface="Arial" pitchFamily="34" charset="0"/>
+                <a:cs typeface="Arial" pitchFamily="34" charset="0"/>
+              </a:rPr>
+              <a:t> model here does not describe “real” data)</a:t>
+            </a:r>
+            <a:endParaRPr lang="en-US" sz="1400" dirty="0">
+              <a:latin typeface="Arial" pitchFamily="34" charset="0"/>
+              <a:cs typeface="Arial" pitchFamily="34" charset="0"/>
+            </a:endParaRPr>
           </a:p>
         </p:txBody>
       </p:sp>
@@ -9444,48 +9395,16 @@
           <a:chExt cx="0" cy="0"/>
         </a:xfrm>
       </p:grpSpPr>
-      <p:pic>
-        <p:nvPicPr>
-          <p:cNvPr id="25602" name="Picture 2"/>
-          <p:cNvPicPr>
-            <a:picLocks noChangeAspect="1" noChangeArrowheads="1"/>
-          </p:cNvPicPr>
-          <p:nvPr/>
-        </p:nvPicPr>
-        <p:blipFill>
-          <a:blip r:embed="rId3" cstate="print"/>
-          <a:srcRect/>
-          <a:stretch>
-            <a:fillRect/>
-          </a:stretch>
-        </p:blipFill>
-        <p:spPr bwMode="auto">
-          <a:xfrm>
-            <a:off x="1371600" y="2286000"/>
-            <a:ext cx="3924300" cy="666750"/>
-          </a:xfrm>
-          <a:prstGeom prst="rect">
-            <a:avLst/>
-          </a:prstGeom>
-          <a:noFill/>
-          <a:ln w="9525">
-            <a:noFill/>
-            <a:miter lim="800000"/>
-            <a:headEnd/>
-            <a:tailEnd/>
-          </a:ln>
-        </p:spPr>
-      </p:pic>
-      <p:sp>
-        <p:nvSpPr>
-          <p:cNvPr id="5" name="TextBox 4"/>
+      <p:sp>
+        <p:nvSpPr>
+          <p:cNvPr id="6" name="TextBox 5"/>
           <p:cNvSpPr txBox="1"/>
           <p:nvPr/>
         </p:nvSpPr>
         <p:spPr>
           <a:xfrm>
-            <a:off x="762000" y="228600"/>
-            <a:ext cx="6476132" cy="923330"/>
+            <a:off x="381000" y="381000"/>
+            <a:ext cx="7624523" cy="1477328"/>
           </a:xfrm>
           <a:prstGeom prst="rect">
             <a:avLst/>
@@ -9500,138 +9419,63 @@
           <a:p>
             <a:r>
               <a:rPr lang="en-US" dirty="0" smtClean="0"/>
-              <a:t>We can simulate a differential expression experiment by having the</a:t>
-            </a:r>
-          </a:p>
-          <a:p>
-            <a:r>
-              <a:rPr lang="en-US" dirty="0" smtClean="0"/>
-              <a:t>true frequency of expression be different…</a:t>
-            </a:r>
-          </a:p>
-          <a:p>
-            <a:endParaRPr lang="en-US" dirty="0"/>
-          </a:p>
-        </p:txBody>
-      </p:sp>
-      <p:pic>
-        <p:nvPicPr>
-          <p:cNvPr id="6" name="Picture 3"/>
-          <p:cNvPicPr>
-            <a:picLocks noChangeAspect="1" noChangeArrowheads="1"/>
-          </p:cNvPicPr>
-          <p:nvPr/>
-        </p:nvPicPr>
-        <p:blipFill>
-          <a:blip r:embed="rId4" cstate="print"/>
-          <a:srcRect/>
-          <a:stretch>
-            <a:fillRect/>
-          </a:stretch>
-        </p:blipFill>
-        <p:spPr bwMode="auto">
-          <a:xfrm>
-            <a:off x="1447800" y="1143000"/>
-            <a:ext cx="3457575" cy="752475"/>
-          </a:xfrm>
-          <a:prstGeom prst="rect">
-            <a:avLst/>
-          </a:prstGeom>
-          <a:noFill/>
-          <a:ln w="9525">
-            <a:noFill/>
-            <a:miter lim="800000"/>
-            <a:headEnd/>
-            <a:tailEnd/>
-          </a:ln>
-        </p:spPr>
-      </p:pic>
-      <p:sp>
-        <p:nvSpPr>
-          <p:cNvPr id="7" name="Rectangle 6"/>
-          <p:cNvSpPr/>
-          <p:nvPr/>
-        </p:nvSpPr>
-        <p:spPr>
-          <a:xfrm>
-            <a:off x="1143000" y="1676400"/>
-            <a:ext cx="3657600" cy="762000"/>
-          </a:xfrm>
-          <a:prstGeom prst="rect">
-            <a:avLst/>
-          </a:prstGeom>
-          <a:solidFill>
-            <a:schemeClr val="bg1"/>
-          </a:solidFill>
-          <a:ln>
-            <a:noFill/>
-          </a:ln>
-        </p:spPr>
-        <p:style>
-          <a:lnRef idx="2">
-            <a:schemeClr val="accent1">
-              <a:shade val="50000"/>
-            </a:schemeClr>
-          </a:lnRef>
-          <a:fillRef idx="1">
-            <a:schemeClr val="accent1"/>
-          </a:fillRef>
-          <a:effectRef idx="0">
-            <a:schemeClr val="accent1"/>
-          </a:effectRef>
-          <a:fontRef idx="minor">
-            <a:schemeClr val="lt1"/>
-          </a:fontRef>
-        </p:style>
-        <p:txBody>
-          <a:bodyPr rtlCol="0" anchor="ctr"/>
-          <a:lstStyle/>
-          <a:p>
-            <a:pPr algn="ctr"/>
-            <a:endParaRPr lang="en-US"/>
-          </a:p>
-        </p:txBody>
-      </p:sp>
-      <p:sp>
-        <p:nvSpPr>
-          <p:cNvPr id="8" name="TextBox 7"/>
-          <p:cNvSpPr txBox="1"/>
-          <p:nvPr/>
-        </p:nvSpPr>
-        <p:spPr>
-          <a:xfrm>
-            <a:off x="4648200" y="1143000"/>
-            <a:ext cx="1688796" cy="369332"/>
-          </a:xfrm>
-          <a:prstGeom prst="rect">
-            <a:avLst/>
-          </a:prstGeom>
-          <a:noFill/>
-        </p:spPr>
-        <p:txBody>
-          <a:bodyPr wrap="none" rtlCol="0">
-            <a:spAutoFit/>
-          </a:bodyPr>
-          <a:lstStyle/>
-          <a:p>
-            <a:r>
-              <a:rPr lang="en-US" dirty="0" smtClean="0"/>
-              <a:t>Null hypotheses</a:t>
-            </a:r>
+              <a:t>The </a:t>
+            </a:r>
+            <a:r>
+              <a:rPr lang="en-US" dirty="0" err="1" smtClean="0"/>
+              <a:t>hypergeometric</a:t>
+            </a:r>
+            <a:r>
+              <a:rPr lang="en-US" dirty="0" smtClean="0"/>
+              <a:t> distribution/ Fisher exact test</a:t>
+            </a:r>
+          </a:p>
+          <a:p>
+            <a:r>
+              <a:rPr lang="en-US" dirty="0" smtClean="0"/>
+              <a:t>Using the </a:t>
+            </a:r>
+            <a:r>
+              <a:rPr lang="en-US" dirty="0" err="1" smtClean="0"/>
+              <a:t>hypergeometric</a:t>
+            </a:r>
+            <a:r>
+              <a:rPr lang="en-US" dirty="0" smtClean="0"/>
+              <a:t> distribution to ask if there is a lane effect for RNA-seq</a:t>
+            </a:r>
+          </a:p>
+          <a:p>
+            <a:r>
+              <a:rPr lang="en-US" dirty="0" smtClean="0"/>
+              <a:t>The Poisson distribution</a:t>
+            </a:r>
+          </a:p>
+          <a:p>
+            <a:r>
+              <a:rPr lang="en-US" dirty="0" smtClean="0"/>
+              <a:t>The Poisson distribution and </a:t>
+            </a:r>
+            <a:r>
+              <a:rPr lang="en-US" dirty="0" err="1" smtClean="0"/>
+              <a:t>rnaSeq</a:t>
+            </a:r>
+            <a:endParaRPr lang="en-US" dirty="0" smtClean="0"/>
+          </a:p>
+          <a:p>
             <a:endParaRPr lang="en-US" dirty="0"/>
           </a:p>
         </p:txBody>
       </p:sp>
       <p:cxnSp>
         <p:nvCxnSpPr>
-          <p:cNvPr id="10" name="Straight Arrow Connector 9"/>
+          <p:cNvPr id="7" name="Straight Arrow Connector 6"/>
           <p:cNvCxnSpPr/>
           <p:nvPr/>
         </p:nvCxnSpPr>
         <p:spPr>
-          <a:xfrm flipV="1">
-            <a:off x="4495800" y="2895600"/>
-            <a:ext cx="152400" cy="533400"/>
+          <a:xfrm rot="10800000">
+            <a:off x="2743200" y="1143000"/>
+            <a:ext cx="609600" cy="1588"/>
           </a:xfrm>
           <a:prstGeom prst="straightConnector1">
             <a:avLst/>
@@ -9655,150 +9499,6 @@
           </a:fontRef>
         </p:style>
       </p:cxnSp>
-      <p:sp>
-        <p:nvSpPr>
-          <p:cNvPr id="11" name="TextBox 10"/>
-          <p:cNvSpPr txBox="1"/>
-          <p:nvPr/>
-        </p:nvSpPr>
-        <p:spPr>
-          <a:xfrm>
-            <a:off x="4876800" y="2438400"/>
-            <a:ext cx="2289025" cy="369332"/>
-          </a:xfrm>
-          <a:prstGeom prst="rect">
-            <a:avLst/>
-          </a:prstGeom>
-          <a:noFill/>
-        </p:spPr>
-        <p:txBody>
-          <a:bodyPr wrap="none" rtlCol="0">
-            <a:spAutoFit/>
-          </a:bodyPr>
-          <a:lstStyle/>
-          <a:p>
-            <a:r>
-              <a:rPr lang="en-US" dirty="0" smtClean="0"/>
-              <a:t>Differential expression</a:t>
-            </a:r>
-            <a:endParaRPr lang="en-US" dirty="0"/>
-          </a:p>
-        </p:txBody>
-      </p:sp>
-      <p:pic>
-        <p:nvPicPr>
-          <p:cNvPr id="25603" name="Picture 3"/>
-          <p:cNvPicPr>
-            <a:picLocks noChangeAspect="1" noChangeArrowheads="1"/>
-          </p:cNvPicPr>
-          <p:nvPr/>
-        </p:nvPicPr>
-        <p:blipFill>
-          <a:blip r:embed="rId5" cstate="print"/>
-          <a:srcRect/>
-          <a:stretch>
-            <a:fillRect/>
-          </a:stretch>
-        </p:blipFill>
-        <p:spPr bwMode="auto">
-          <a:xfrm>
-            <a:off x="4495800" y="2895600"/>
-            <a:ext cx="3814762" cy="3820866"/>
-          </a:xfrm>
-          <a:prstGeom prst="rect">
-            <a:avLst/>
-          </a:prstGeom>
-          <a:noFill/>
-          <a:ln w="9525">
-            <a:noFill/>
-            <a:miter lim="800000"/>
-            <a:headEnd/>
-            <a:tailEnd/>
-          </a:ln>
-        </p:spPr>
-      </p:pic>
-      <p:pic>
-        <p:nvPicPr>
-          <p:cNvPr id="25604" name="Picture 4"/>
-          <p:cNvPicPr>
-            <a:picLocks noChangeAspect="1" noChangeArrowheads="1"/>
-          </p:cNvPicPr>
-          <p:nvPr/>
-        </p:nvPicPr>
-        <p:blipFill>
-          <a:blip r:embed="rId6" cstate="print"/>
-          <a:srcRect/>
-          <a:stretch>
-            <a:fillRect/>
-          </a:stretch>
-        </p:blipFill>
-        <p:spPr bwMode="auto">
-          <a:xfrm>
-            <a:off x="781050" y="3048000"/>
-            <a:ext cx="3028950" cy="3248025"/>
-          </a:xfrm>
-          <a:prstGeom prst="rect">
-            <a:avLst/>
-          </a:prstGeom>
-          <a:noFill/>
-          <a:ln w="9525">
-            <a:noFill/>
-            <a:miter lim="800000"/>
-            <a:headEnd/>
-            <a:tailEnd/>
-          </a:ln>
-        </p:spPr>
-      </p:pic>
-      <p:sp>
-        <p:nvSpPr>
-          <p:cNvPr id="14" name="TextBox 13"/>
-          <p:cNvSpPr txBox="1"/>
-          <p:nvPr/>
-        </p:nvSpPr>
-        <p:spPr>
-          <a:xfrm>
-            <a:off x="0" y="6412468"/>
-            <a:ext cx="5690982" cy="307777"/>
-          </a:xfrm>
-          <a:prstGeom prst="rect">
-            <a:avLst/>
-          </a:prstGeom>
-          <a:noFill/>
-        </p:spPr>
-        <p:txBody>
-          <a:bodyPr wrap="none" rtlCol="0">
-            <a:spAutoFit/>
-          </a:bodyPr>
-          <a:lstStyle/>
-          <a:p>
-            <a:r>
-              <a:rPr lang="en-US" sz="1400" dirty="0" smtClean="0">
-                <a:latin typeface="Arial" pitchFamily="34" charset="0"/>
-                <a:cs typeface="Arial" pitchFamily="34" charset="0"/>
-              </a:rPr>
-              <a:t>(Maybe the </a:t>
-            </a:r>
-            <a:r>
-              <a:rPr lang="en-US" sz="1400" dirty="0" err="1" smtClean="0">
-                <a:latin typeface="Arial" pitchFamily="34" charset="0"/>
-                <a:cs typeface="Arial" pitchFamily="34" charset="0"/>
-              </a:rPr>
-              <a:t>hypergeomteric</a:t>
-            </a:r>
-            <a:r>
-              <a:rPr lang="en-US" sz="1400" dirty="0" smtClean="0">
-                <a:latin typeface="Arial" pitchFamily="34" charset="0"/>
-                <a:cs typeface="Arial" pitchFamily="34" charset="0"/>
-              </a:rPr>
-              <a:t> model here does not describe “real” data)</a:t>
-            </a:r>
-            <a:endParaRPr lang="en-US" sz="1400" dirty="0">
-              <a:latin typeface="Arial" pitchFamily="34" charset="0"/>
-              <a:cs typeface="Arial" pitchFamily="34" charset="0"/>
-            </a:endParaRPr>
-          </a:p>
-        </p:txBody>
-      </p:sp>
     </p:spTree>
   </p:cSld>
   <p:clrMapOvr>
@@ -9826,14 +9526,14 @@
       </p:grpSpPr>
       <p:sp>
         <p:nvSpPr>
-          <p:cNvPr id="6" name="TextBox 5"/>
+          <p:cNvPr id="4" name="TextBox 3"/>
           <p:cNvSpPr txBox="1"/>
           <p:nvPr/>
         </p:nvSpPr>
         <p:spPr>
           <a:xfrm>
-            <a:off x="381000" y="381000"/>
-            <a:ext cx="7624523" cy="1477328"/>
+            <a:off x="838200" y="76200"/>
+            <a:ext cx="7115218" cy="3139321"/>
           </a:xfrm>
           <a:prstGeom prst="rect">
             <a:avLst/>
@@ -9848,86 +9548,161 @@
           <a:p>
             <a:r>
               <a:rPr lang="en-US" dirty="0" smtClean="0"/>
-              <a:t>The </a:t>
+              <a:t>Consider a rare event:</a:t>
+            </a:r>
+          </a:p>
+          <a:p>
+            <a:endParaRPr lang="en-US" dirty="0" smtClean="0"/>
+          </a:p>
+          <a:p>
+            <a:r>
+              <a:rPr lang="en-US" dirty="0" smtClean="0"/>
+              <a:t>	I have a (very large) collection of cards.  1% of them are marked.</a:t>
+            </a:r>
+          </a:p>
+          <a:p>
+            <a:endParaRPr lang="en-US" dirty="0" smtClean="0"/>
+          </a:p>
+          <a:p>
+            <a:r>
+              <a:rPr lang="en-US" dirty="0" smtClean="0"/>
+              <a:t>	I draw 1,000 of the cards. </a:t>
+            </a:r>
+          </a:p>
+          <a:p>
+            <a:endParaRPr lang="en-US" dirty="0" smtClean="0"/>
+          </a:p>
+          <a:p>
+            <a:r>
+              <a:rPr lang="en-US" dirty="0" smtClean="0"/>
+              <a:t>	How many times can I expect to see the cards?</a:t>
+            </a:r>
+          </a:p>
+          <a:p>
+            <a:endParaRPr lang="en-US" dirty="0" smtClean="0"/>
+          </a:p>
+          <a:p>
+            <a:r>
+              <a:rPr lang="en-US" dirty="0" smtClean="0"/>
+              <a:t>	We can show this with </a:t>
             </a:r>
             <a:r>
               <a:rPr lang="en-US" dirty="0" err="1" smtClean="0"/>
-              <a:t>hypergeometric</a:t>
-            </a:r>
-            <a:r>
-              <a:rPr lang="en-US" dirty="0" smtClean="0"/>
-              <a:t> distribution/ Fisher exact test</a:t>
-            </a:r>
-          </a:p>
-          <a:p>
-            <a:r>
-              <a:rPr lang="en-US" dirty="0" smtClean="0"/>
-              <a:t>Using the </a:t>
-            </a:r>
-            <a:r>
-              <a:rPr lang="en-US" dirty="0" err="1" smtClean="0"/>
-              <a:t>hypergeometric</a:t>
-            </a:r>
-            <a:r>
-              <a:rPr lang="en-US" dirty="0" smtClean="0"/>
-              <a:t> distribution to ask if there is a lane effect for RNA-seq</a:t>
-            </a:r>
-          </a:p>
-          <a:p>
-            <a:r>
-              <a:rPr lang="en-US" dirty="0" smtClean="0"/>
-              <a:t>The Poisson distribution</a:t>
-            </a:r>
-          </a:p>
-          <a:p>
-            <a:r>
-              <a:rPr lang="en-US" dirty="0" smtClean="0"/>
-              <a:t>The Poisson distribution and </a:t>
-            </a:r>
-            <a:r>
-              <a:rPr lang="en-US" dirty="0" err="1" smtClean="0"/>
-              <a:t>rnaSeq</a:t>
+              <a:t>dbinom</a:t>
             </a:r>
             <a:endParaRPr lang="en-US" dirty="0" smtClean="0"/>
           </a:p>
           <a:p>
+            <a:endParaRPr lang="en-US" dirty="0" smtClean="0"/>
+          </a:p>
+          <a:p>
+            <a:r>
+              <a:rPr lang="en-US" dirty="0" smtClean="0"/>
+              <a:t>	</a:t>
+            </a:r>
             <a:endParaRPr lang="en-US" dirty="0"/>
           </a:p>
         </p:txBody>
       </p:sp>
-      <p:cxnSp>
-        <p:nvCxnSpPr>
-          <p:cNvPr id="7" name="Straight Arrow Connector 6"/>
-          <p:cNvCxnSpPr/>
-          <p:nvPr/>
-        </p:nvCxnSpPr>
+      <p:sp>
+        <p:nvSpPr>
+          <p:cNvPr id="7" name="TextBox 6"/>
+          <p:cNvSpPr txBox="1"/>
+          <p:nvPr/>
+        </p:nvSpPr>
         <p:spPr>
-          <a:xfrm rot="10800000">
-            <a:off x="2743200" y="1143000"/>
-            <a:ext cx="609600" cy="1588"/>
-          </a:xfrm>
-          <a:prstGeom prst="straightConnector1">
-            <a:avLst/>
-          </a:prstGeom>
-          <a:ln>
-            <a:tailEnd type="arrow"/>
+          <a:xfrm>
+            <a:off x="0" y="4648200"/>
+            <a:ext cx="4517840" cy="923330"/>
+          </a:xfrm>
+          <a:prstGeom prst="rect">
+            <a:avLst/>
+          </a:prstGeom>
+          <a:noFill/>
+        </p:spPr>
+        <p:txBody>
+          <a:bodyPr wrap="none" rtlCol="0">
+            <a:spAutoFit/>
+          </a:bodyPr>
+          <a:lstStyle/>
+          <a:p>
+            <a:r>
+              <a:rPr lang="en-US" dirty="0" smtClean="0"/>
+              <a:t>The expected value = n * p = 1,000 * 0.01 =10 </a:t>
+            </a:r>
+          </a:p>
+          <a:p>
+            <a:endParaRPr lang="en-US" dirty="0" smtClean="0"/>
+          </a:p>
+          <a:p>
+            <a:endParaRPr lang="en-US" dirty="0"/>
+          </a:p>
+        </p:txBody>
+      </p:sp>
+      <p:pic>
+        <p:nvPicPr>
+          <p:cNvPr id="11269" name="Picture 5"/>
+          <p:cNvPicPr>
+            <a:picLocks noChangeAspect="1" noChangeArrowheads="1"/>
+          </p:cNvPicPr>
+          <p:nvPr/>
+        </p:nvPicPr>
+        <p:blipFill>
+          <a:blip r:embed="rId3" cstate="print"/>
+          <a:srcRect/>
+          <a:stretch>
+            <a:fillRect/>
+          </a:stretch>
+        </p:blipFill>
+        <p:spPr bwMode="auto">
+          <a:xfrm>
+            <a:off x="304800" y="3429000"/>
+            <a:ext cx="4438650" cy="704850"/>
+          </a:xfrm>
+          <a:prstGeom prst="rect">
+            <a:avLst/>
+          </a:prstGeom>
+          <a:noFill/>
+          <a:ln w="9525">
+            <a:noFill/>
+            <a:miter lim="800000"/>
+            <a:headEnd/>
+            <a:tailEnd/>
           </a:ln>
         </p:spPr>
-        <p:style>
-          <a:lnRef idx="1">
-            <a:schemeClr val="accent1"/>
-          </a:lnRef>
-          <a:fillRef idx="0">
-            <a:schemeClr val="accent1"/>
-          </a:fillRef>
-          <a:effectRef idx="0">
-            <a:schemeClr val="accent1"/>
-          </a:effectRef>
-          <a:fontRef idx="minor">
-            <a:schemeClr val="tx1"/>
-          </a:fontRef>
-        </p:style>
-      </p:cxnSp>
+      </p:pic>
+      <p:pic>
+        <p:nvPicPr>
+          <p:cNvPr id="11270" name="Picture 6"/>
+          <p:cNvPicPr>
+            <a:picLocks noChangeAspect="1" noChangeArrowheads="1"/>
+          </p:cNvPicPr>
+          <p:nvPr/>
+        </p:nvPicPr>
+        <p:blipFill>
+          <a:blip r:embed="rId4" cstate="print"/>
+          <a:srcRect/>
+          <a:stretch>
+            <a:fillRect/>
+          </a:stretch>
+        </p:blipFill>
+        <p:spPr bwMode="auto">
+          <a:xfrm>
+            <a:off x="4495800" y="2709863"/>
+            <a:ext cx="4355890" cy="4148137"/>
+          </a:xfrm>
+          <a:prstGeom prst="rect">
+            <a:avLst/>
+          </a:prstGeom>
+          <a:noFill/>
+          <a:ln w="9525">
+            <a:noFill/>
+            <a:miter lim="800000"/>
+            <a:headEnd/>
+            <a:tailEnd/>
+          </a:ln>
+        </p:spPr>
+      </p:pic>
     </p:spTree>
   </p:cSld>
   <p:clrMapOvr>
@@ -9960,9 +9735,9 @@
           <p:nvPr/>
         </p:nvSpPr>
         <p:spPr>
-          <a:xfrm>
-            <a:off x="838200" y="76200"/>
-            <a:ext cx="7115218" cy="3139321"/>
+          <a:xfrm flipH="1">
+            <a:off x="655316" y="381000"/>
+            <a:ext cx="7193283" cy="369332"/>
           </a:xfrm>
           <a:prstGeom prst="rect">
             <a:avLst/>
@@ -9970,107 +9745,22 @@
           <a:noFill/>
         </p:spPr>
         <p:txBody>
-          <a:bodyPr wrap="none" rtlCol="0">
+          <a:bodyPr wrap="square" rtlCol="0">
             <a:spAutoFit/>
           </a:bodyPr>
           <a:lstStyle/>
           <a:p>
             <a:r>
               <a:rPr lang="en-US" dirty="0" smtClean="0"/>
-              <a:t>Consider a rare event:</a:t>
-            </a:r>
-          </a:p>
-          <a:p>
-            <a:endParaRPr lang="en-US" dirty="0" smtClean="0"/>
-          </a:p>
-          <a:p>
-            <a:r>
-              <a:rPr lang="en-US" dirty="0" smtClean="0"/>
-              <a:t>	I have a (very large) collection of cards.  1% of them are marked.</a:t>
-            </a:r>
-          </a:p>
-          <a:p>
-            <a:endParaRPr lang="en-US" dirty="0" smtClean="0"/>
-          </a:p>
-          <a:p>
-            <a:r>
-              <a:rPr lang="en-US" dirty="0" smtClean="0"/>
-              <a:t>	I draw 1,000 of the cards. </a:t>
-            </a:r>
-          </a:p>
-          <a:p>
-            <a:endParaRPr lang="en-US" dirty="0" smtClean="0"/>
-          </a:p>
-          <a:p>
-            <a:r>
-              <a:rPr lang="en-US" dirty="0" smtClean="0"/>
-              <a:t>	How many times can I expect to see the cards?</a:t>
-            </a:r>
-          </a:p>
-          <a:p>
-            <a:endParaRPr lang="en-US" dirty="0" smtClean="0"/>
-          </a:p>
-          <a:p>
-            <a:r>
-              <a:rPr lang="en-US" dirty="0" smtClean="0"/>
-              <a:t>	We can show this with </a:t>
-            </a:r>
-            <a:r>
-              <a:rPr lang="en-US" dirty="0" err="1" smtClean="0"/>
-              <a:t>dbinom</a:t>
-            </a:r>
-            <a:endParaRPr lang="en-US" dirty="0" smtClean="0"/>
-          </a:p>
-          <a:p>
-            <a:endParaRPr lang="en-US" dirty="0" smtClean="0"/>
-          </a:p>
-          <a:p>
-            <a:r>
-              <a:rPr lang="en-US" dirty="0" smtClean="0"/>
-              <a:t>	</a:t>
-            </a:r>
-            <a:endParaRPr lang="en-US" dirty="0"/>
-          </a:p>
-        </p:txBody>
-      </p:sp>
-      <p:sp>
-        <p:nvSpPr>
-          <p:cNvPr id="7" name="TextBox 6"/>
-          <p:cNvSpPr txBox="1"/>
-          <p:nvPr/>
-        </p:nvSpPr>
-        <p:spPr>
-          <a:xfrm>
-            <a:off x="0" y="4648200"/>
-            <a:ext cx="4517840" cy="923330"/>
-          </a:xfrm>
-          <a:prstGeom prst="rect">
-            <a:avLst/>
-          </a:prstGeom>
-          <a:noFill/>
-        </p:spPr>
-        <p:txBody>
-          <a:bodyPr wrap="none" rtlCol="0">
-            <a:spAutoFit/>
-          </a:bodyPr>
-          <a:lstStyle/>
-          <a:p>
-            <a:r>
-              <a:rPr lang="en-US" dirty="0" smtClean="0"/>
-              <a:t>The expected value = n * p = 1,000 * 0.01 =10 </a:t>
-            </a:r>
-          </a:p>
-          <a:p>
-            <a:endParaRPr lang="en-US" dirty="0" smtClean="0"/>
-          </a:p>
-          <a:p>
+              <a:t>The Poisson distribution is an alternative way of modeling rare events  </a:t>
+            </a:r>
             <a:endParaRPr lang="en-US" dirty="0"/>
           </a:p>
         </p:txBody>
       </p:sp>
       <p:pic>
         <p:nvPicPr>
-          <p:cNvPr id="11269" name="Picture 5"/>
+          <p:cNvPr id="12290" name="Picture 2"/>
           <p:cNvPicPr>
             <a:picLocks noChangeAspect="1" noChangeArrowheads="1"/>
           </p:cNvPicPr>
@@ -10085,8 +9775,8 @@
         </p:blipFill>
         <p:spPr bwMode="auto">
           <a:xfrm>
-            <a:off x="304800" y="3429000"/>
-            <a:ext cx="4438650" cy="704850"/>
+            <a:off x="381000" y="1066800"/>
+            <a:ext cx="8458200" cy="3212196"/>
           </a:xfrm>
           <a:prstGeom prst="rect">
             <a:avLst/>
@@ -10100,38 +9790,80 @@
           </a:ln>
         </p:spPr>
       </p:pic>
-      <p:pic>
-        <p:nvPicPr>
-          <p:cNvPr id="11270" name="Picture 6"/>
-          <p:cNvPicPr>
-            <a:picLocks noChangeAspect="1" noChangeArrowheads="1"/>
-          </p:cNvPicPr>
-          <p:nvPr/>
-        </p:nvPicPr>
-        <p:blipFill>
-          <a:blip r:embed="rId4" cstate="print"/>
-          <a:srcRect/>
-          <a:stretch>
-            <a:fillRect/>
-          </a:stretch>
-        </p:blipFill>
-        <p:spPr bwMode="auto">
-          <a:xfrm>
-            <a:off x="4495800" y="2709863"/>
-            <a:ext cx="4355890" cy="4148137"/>
+      <p:sp>
+        <p:nvSpPr>
+          <p:cNvPr id="6" name="TextBox 5"/>
+          <p:cNvSpPr txBox="1"/>
+          <p:nvPr/>
+        </p:nvSpPr>
+        <p:spPr>
+          <a:xfrm>
+            <a:off x="685800" y="4648200"/>
+            <a:ext cx="7543800" cy="1477328"/>
           </a:xfrm>
           <a:prstGeom prst="rect">
             <a:avLst/>
           </a:prstGeom>
           <a:noFill/>
-          <a:ln w="9525">
-            <a:noFill/>
-            <a:miter lim="800000"/>
-            <a:headEnd/>
-            <a:tailEnd/>
-          </a:ln>
-        </p:spPr>
-      </p:pic>
+        </p:spPr>
+        <p:txBody>
+          <a:bodyPr wrap="square" rtlCol="0">
+            <a:spAutoFit/>
+          </a:bodyPr>
+          <a:lstStyle/>
+          <a:p>
+            <a:r>
+              <a:rPr lang="en-US" dirty="0" smtClean="0"/>
+              <a:t>Here lambda is the expected value ( n * p ) that would occur in n trials.</a:t>
+            </a:r>
+          </a:p>
+          <a:p>
+            <a:r>
+              <a:rPr lang="en-US" dirty="0" smtClean="0"/>
+              <a:t>lambda can also be thought of as the frequency of an event occurring over some set interval of time… </a:t>
+            </a:r>
+          </a:p>
+          <a:p>
+            <a:endParaRPr lang="en-US" dirty="0" smtClean="0"/>
+          </a:p>
+          <a:p>
+            <a:r>
+              <a:rPr lang="en-US" dirty="0" smtClean="0"/>
+              <a:t>K is the number of successes…</a:t>
+            </a:r>
+            <a:endParaRPr lang="en-US" dirty="0"/>
+          </a:p>
+        </p:txBody>
+      </p:sp>
+      <p:sp>
+        <p:nvSpPr>
+          <p:cNvPr id="5" name="Rectangle 4"/>
+          <p:cNvSpPr/>
+          <p:nvPr/>
+        </p:nvSpPr>
+        <p:spPr>
+          <a:xfrm>
+            <a:off x="2971800" y="6324600"/>
+            <a:ext cx="5943600" cy="369332"/>
+          </a:xfrm>
+          <a:prstGeom prst="rect">
+            <a:avLst/>
+          </a:prstGeom>
+        </p:spPr>
+        <p:txBody>
+          <a:bodyPr wrap="square">
+            <a:spAutoFit/>
+          </a:bodyPr>
+          <a:lstStyle/>
+          <a:p>
+            <a:r>
+              <a:rPr lang="en-US" dirty="0" smtClean="0"/>
+              <a:t>http://en.wikipedia.org/wiki/Poisson_distribution</a:t>
+            </a:r>
+            <a:endParaRPr lang="en-US" dirty="0"/>
+          </a:p>
+        </p:txBody>
+      </p:sp>
     </p:spTree>
   </p:cSld>
   <p:clrMapOvr>
@@ -10157,39 +9889,9 @@
           <a:chExt cx="0" cy="0"/>
         </a:xfrm>
       </p:grpSpPr>
-      <p:sp>
-        <p:nvSpPr>
-          <p:cNvPr id="4" name="TextBox 3"/>
-          <p:cNvSpPr txBox="1"/>
-          <p:nvPr/>
-        </p:nvSpPr>
-        <p:spPr>
-          <a:xfrm flipH="1">
-            <a:off x="655316" y="381000"/>
-            <a:ext cx="7193283" cy="369332"/>
-          </a:xfrm>
-          <a:prstGeom prst="rect">
-            <a:avLst/>
-          </a:prstGeom>
-          <a:noFill/>
-        </p:spPr>
-        <p:txBody>
-          <a:bodyPr wrap="square" rtlCol="0">
-            <a:spAutoFit/>
-          </a:bodyPr>
-          <a:lstStyle/>
-          <a:p>
-            <a:r>
-              <a:rPr lang="en-US" dirty="0" smtClean="0"/>
-              <a:t>The Poisson distribution is an alternative way of modeling rare events  </a:t>
-            </a:r>
-            <a:endParaRPr lang="en-US" dirty="0"/>
-          </a:p>
-        </p:txBody>
-      </p:sp>
       <p:pic>
         <p:nvPicPr>
-          <p:cNvPr id="12290" name="Picture 2"/>
+          <p:cNvPr id="23554" name="Picture 2"/>
           <p:cNvPicPr>
             <a:picLocks noChangeAspect="1" noChangeArrowheads="1"/>
           </p:cNvPicPr>
@@ -10204,8 +9906,8 @@
         </p:blipFill>
         <p:spPr bwMode="auto">
           <a:xfrm>
-            <a:off x="381000" y="1066800"/>
-            <a:ext cx="8458200" cy="3212196"/>
+            <a:off x="5257800" y="-228600"/>
+            <a:ext cx="3476625" cy="6877050"/>
           </a:xfrm>
           <a:prstGeom prst="rect">
             <a:avLst/>
@@ -10221,58 +9923,13 @@
       </p:pic>
       <p:sp>
         <p:nvSpPr>
-          <p:cNvPr id="6" name="TextBox 5"/>
-          <p:cNvSpPr txBox="1"/>
-          <p:nvPr/>
-        </p:nvSpPr>
-        <p:spPr>
-          <a:xfrm>
-            <a:off x="685800" y="4648200"/>
-            <a:ext cx="7543800" cy="1477328"/>
-          </a:xfrm>
-          <a:prstGeom prst="rect">
-            <a:avLst/>
-          </a:prstGeom>
-          <a:noFill/>
-        </p:spPr>
-        <p:txBody>
-          <a:bodyPr wrap="square" rtlCol="0">
-            <a:spAutoFit/>
-          </a:bodyPr>
-          <a:lstStyle/>
-          <a:p>
-            <a:r>
-              <a:rPr lang="en-US" dirty="0" smtClean="0"/>
-              <a:t>Here lambda is the expected value ( n * p ) that would occur in n trials.</a:t>
-            </a:r>
-          </a:p>
-          <a:p>
-            <a:r>
-              <a:rPr lang="en-US" dirty="0" smtClean="0"/>
-              <a:t>lambda can also be thought of as the frequency of an event occurring over some set interval of time… </a:t>
-            </a:r>
-          </a:p>
-          <a:p>
-            <a:endParaRPr lang="en-US" dirty="0" smtClean="0"/>
-          </a:p>
-          <a:p>
-            <a:r>
-              <a:rPr lang="en-US" dirty="0" smtClean="0"/>
-              <a:t>K is the number of successes…</a:t>
-            </a:r>
-            <a:endParaRPr lang="en-US" dirty="0"/>
-          </a:p>
-        </p:txBody>
-      </p:sp>
-      <p:sp>
-        <p:nvSpPr>
           <p:cNvPr id="5" name="Rectangle 4"/>
           <p:cNvSpPr/>
           <p:nvPr/>
         </p:nvSpPr>
         <p:spPr>
           <a:xfrm>
-            <a:off x="2971800" y="6324600"/>
+            <a:off x="228600" y="381000"/>
             <a:ext cx="5943600" cy="369332"/>
           </a:xfrm>
           <a:prstGeom prst="rect">
@@ -10293,6 +9950,104 @@
           </a:p>
         </p:txBody>
       </p:sp>
+      <p:pic>
+        <p:nvPicPr>
+          <p:cNvPr id="23555" name="Picture 3"/>
+          <p:cNvPicPr>
+            <a:picLocks noChangeAspect="1" noChangeArrowheads="1"/>
+          </p:cNvPicPr>
+          <p:nvPr/>
+        </p:nvPicPr>
+        <p:blipFill>
+          <a:blip r:embed="rId4" cstate="print"/>
+          <a:srcRect/>
+          <a:stretch>
+            <a:fillRect/>
+          </a:stretch>
+        </p:blipFill>
+        <p:spPr bwMode="auto">
+          <a:xfrm>
+            <a:off x="1524000" y="1524000"/>
+            <a:ext cx="3352800" cy="2990850"/>
+          </a:xfrm>
+          <a:prstGeom prst="rect">
+            <a:avLst/>
+          </a:prstGeom>
+          <a:noFill/>
+          <a:ln w="9525">
+            <a:noFill/>
+            <a:miter lim="800000"/>
+            <a:headEnd/>
+            <a:tailEnd/>
+          </a:ln>
+        </p:spPr>
+      </p:pic>
+      <p:cxnSp>
+        <p:nvCxnSpPr>
+          <p:cNvPr id="8" name="Straight Arrow Connector 7"/>
+          <p:cNvCxnSpPr/>
+          <p:nvPr/>
+        </p:nvCxnSpPr>
+        <p:spPr>
+          <a:xfrm>
+            <a:off x="914400" y="3733800"/>
+            <a:ext cx="609600" cy="0"/>
+          </a:xfrm>
+          <a:prstGeom prst="straightConnector1">
+            <a:avLst/>
+          </a:prstGeom>
+          <a:ln>
+            <a:tailEnd type="arrow"/>
+          </a:ln>
+        </p:spPr>
+        <p:style>
+          <a:lnRef idx="1">
+            <a:schemeClr val="accent1"/>
+          </a:lnRef>
+          <a:fillRef idx="0">
+            <a:schemeClr val="accent1"/>
+          </a:fillRef>
+          <a:effectRef idx="0">
+            <a:schemeClr val="accent1"/>
+          </a:effectRef>
+          <a:fontRef idx="minor">
+            <a:schemeClr val="tx1"/>
+          </a:fontRef>
+        </p:style>
+      </p:cxnSp>
+      <p:cxnSp>
+        <p:nvCxnSpPr>
+          <p:cNvPr id="9" name="Straight Arrow Connector 8"/>
+          <p:cNvCxnSpPr/>
+          <p:nvPr/>
+        </p:nvCxnSpPr>
+        <p:spPr>
+          <a:xfrm>
+            <a:off x="914400" y="4419600"/>
+            <a:ext cx="609600" cy="0"/>
+          </a:xfrm>
+          <a:prstGeom prst="straightConnector1">
+            <a:avLst/>
+          </a:prstGeom>
+          <a:ln>
+            <a:tailEnd type="arrow"/>
+          </a:ln>
+        </p:spPr>
+        <p:style>
+          <a:lnRef idx="1">
+            <a:schemeClr val="accent1"/>
+          </a:lnRef>
+          <a:fillRef idx="0">
+            <a:schemeClr val="accent1"/>
+          </a:fillRef>
+          <a:effectRef idx="0">
+            <a:schemeClr val="accent1"/>
+          </a:effectRef>
+          <a:fontRef idx="minor">
+            <a:schemeClr val="tx1"/>
+          </a:fontRef>
+        </p:style>
+      </p:cxnSp>
     </p:spTree>
   </p:cSld>
   <p:clrMapOvr>
@@ -10318,165 +10073,93 @@
           <a:chExt cx="0" cy="0"/>
         </a:xfrm>
       </p:grpSpPr>
-      <p:pic>
-        <p:nvPicPr>
-          <p:cNvPr id="23554" name="Picture 2"/>
-          <p:cNvPicPr>
-            <a:picLocks noChangeAspect="1" noChangeArrowheads="1"/>
-          </p:cNvPicPr>
-          <p:nvPr/>
-        </p:nvPicPr>
-        <p:blipFill>
-          <a:blip r:embed="rId3" cstate="print"/>
-          <a:srcRect/>
-          <a:stretch>
-            <a:fillRect/>
-          </a:stretch>
-        </p:blipFill>
-        <p:spPr bwMode="auto">
-          <a:xfrm>
-            <a:off x="5257800" y="-228600"/>
-            <a:ext cx="3476625" cy="6877050"/>
+      <p:sp>
+        <p:nvSpPr>
+          <p:cNvPr id="4" name="TextBox 3"/>
+          <p:cNvSpPr txBox="1"/>
+          <p:nvPr/>
+        </p:nvSpPr>
+        <p:spPr>
+          <a:xfrm>
+            <a:off x="1282239" y="1143000"/>
+            <a:ext cx="6337761" cy="3139321"/>
           </a:xfrm>
           <a:prstGeom prst="rect">
             <a:avLst/>
           </a:prstGeom>
           <a:noFill/>
-          <a:ln w="9525">
-            <a:noFill/>
-            <a:miter lim="800000"/>
-            <a:headEnd/>
-            <a:tailEnd/>
-          </a:ln>
-        </p:spPr>
-      </p:pic>
-      <p:sp>
-        <p:nvSpPr>
-          <p:cNvPr id="5" name="Rectangle 4"/>
-          <p:cNvSpPr/>
-          <p:nvPr/>
-        </p:nvSpPr>
-        <p:spPr>
-          <a:xfrm>
-            <a:off x="228600" y="381000"/>
-            <a:ext cx="5943600" cy="369332"/>
-          </a:xfrm>
-          <a:prstGeom prst="rect">
-            <a:avLst/>
-          </a:prstGeom>
-        </p:spPr>
-        <p:txBody>
-          <a:bodyPr wrap="square">
+        </p:spPr>
+        <p:txBody>
+          <a:bodyPr wrap="none" rtlCol="0">
             <a:spAutoFit/>
           </a:bodyPr>
           <a:lstStyle/>
           <a:p>
             <a:r>
               <a:rPr lang="en-US" dirty="0" smtClean="0"/>
-              <a:t>http://en.wikipedia.org/wiki/Poisson_distribution</a:t>
-            </a:r>
-            <a:endParaRPr lang="en-US" dirty="0"/>
-          </a:p>
-        </p:txBody>
-      </p:sp>
-      <p:pic>
-        <p:nvPicPr>
-          <p:cNvPr id="23555" name="Picture 3"/>
-          <p:cNvPicPr>
-            <a:picLocks noChangeAspect="1" noChangeArrowheads="1"/>
-          </p:cNvPicPr>
-          <p:nvPr/>
-        </p:nvPicPr>
-        <p:blipFill>
-          <a:blip r:embed="rId4" cstate="print"/>
-          <a:srcRect/>
-          <a:stretch>
-            <a:fillRect/>
-          </a:stretch>
-        </p:blipFill>
-        <p:spPr bwMode="auto">
-          <a:xfrm>
-            <a:off x="1524000" y="1524000"/>
-            <a:ext cx="3352800" cy="2990850"/>
-          </a:xfrm>
-          <a:prstGeom prst="rect">
-            <a:avLst/>
-          </a:prstGeom>
-          <a:noFill/>
-          <a:ln w="9525">
-            <a:noFill/>
-            <a:miter lim="800000"/>
-            <a:headEnd/>
-            <a:tailEnd/>
-          </a:ln>
-        </p:spPr>
-      </p:pic>
-      <p:cxnSp>
-        <p:nvCxnSpPr>
-          <p:cNvPr id="8" name="Straight Arrow Connector 7"/>
-          <p:cNvCxnSpPr/>
-          <p:nvPr/>
-        </p:nvCxnSpPr>
-        <p:spPr>
-          <a:xfrm>
-            <a:off x="914400" y="3733800"/>
-            <a:ext cx="609600" cy="0"/>
-          </a:xfrm>
-          <a:prstGeom prst="straightConnector1">
-            <a:avLst/>
-          </a:prstGeom>
-          <a:ln>
-            <a:tailEnd type="arrow"/>
-          </a:ln>
-        </p:spPr>
-        <p:style>
-          <a:lnRef idx="1">
-            <a:schemeClr val="accent1"/>
-          </a:lnRef>
-          <a:fillRef idx="0">
-            <a:schemeClr val="accent1"/>
-          </a:fillRef>
-          <a:effectRef idx="0">
-            <a:schemeClr val="accent1"/>
-          </a:effectRef>
-          <a:fontRef idx="minor">
-            <a:schemeClr val="tx1"/>
-          </a:fontRef>
-        </p:style>
-      </p:cxnSp>
-      <p:cxnSp>
-        <p:nvCxnSpPr>
-          <p:cNvPr id="9" name="Straight Arrow Connector 8"/>
-          <p:cNvCxnSpPr/>
-          <p:nvPr/>
-        </p:nvCxnSpPr>
-        <p:spPr>
-          <a:xfrm>
-            <a:off x="914400" y="4419600"/>
-            <a:ext cx="609600" cy="0"/>
-          </a:xfrm>
-          <a:prstGeom prst="straightConnector1">
-            <a:avLst/>
-          </a:prstGeom>
-          <a:ln>
-            <a:tailEnd type="arrow"/>
-          </a:ln>
-        </p:spPr>
-        <p:style>
-          <a:lnRef idx="1">
-            <a:schemeClr val="accent1"/>
-          </a:lnRef>
-          <a:fillRef idx="0">
-            <a:schemeClr val="accent1"/>
-          </a:fillRef>
-          <a:effectRef idx="0">
-            <a:schemeClr val="accent1"/>
-          </a:effectRef>
-          <a:fontRef idx="minor">
-            <a:schemeClr val="tx1"/>
-          </a:fontRef>
-        </p:style>
-      </p:cxnSp>
+              <a:t>For the binomial:</a:t>
+            </a:r>
+          </a:p>
+          <a:p>
+            <a:endParaRPr lang="en-US" dirty="0" smtClean="0"/>
+          </a:p>
+          <a:p>
+            <a:r>
+              <a:rPr lang="en-US" dirty="0" smtClean="0"/>
+              <a:t>	mean = </a:t>
+            </a:r>
+            <a:r>
+              <a:rPr lang="en-US" dirty="0" err="1" smtClean="0"/>
+              <a:t>np</a:t>
+            </a:r>
+            <a:endParaRPr lang="en-US" dirty="0" smtClean="0"/>
+          </a:p>
+          <a:p>
+            <a:r>
+              <a:rPr lang="en-US" dirty="0" smtClean="0"/>
+              <a:t>	variance = n * p * (1-p)</a:t>
+            </a:r>
+          </a:p>
+          <a:p>
+            <a:endParaRPr lang="en-US" dirty="0" smtClean="0"/>
+          </a:p>
+          <a:p>
+            <a:r>
+              <a:rPr lang="en-US" dirty="0" smtClean="0"/>
+              <a:t>For the Poisson, p is small.  (1-p) approaches 1 so…</a:t>
+            </a:r>
+          </a:p>
+          <a:p>
+            <a:endParaRPr lang="en-US" dirty="0" smtClean="0"/>
+          </a:p>
+          <a:p>
+            <a:r>
+              <a:rPr lang="en-US" dirty="0" smtClean="0"/>
+              <a:t>	mean = </a:t>
+            </a:r>
+            <a:r>
+              <a:rPr lang="en-US" dirty="0" err="1" smtClean="0"/>
+              <a:t>np</a:t>
+            </a:r>
+            <a:endParaRPr lang="en-US" dirty="0" smtClean="0"/>
+          </a:p>
+          <a:p>
+            <a:r>
+              <a:rPr lang="en-US" dirty="0" smtClean="0"/>
+              <a:t>	variance = n * p = mean</a:t>
+            </a:r>
+          </a:p>
+          <a:p>
+            <a:endParaRPr lang="en-US" dirty="0" smtClean="0"/>
+          </a:p>
+          <a:p>
+            <a:r>
+              <a:rPr lang="en-US" dirty="0" smtClean="0"/>
+              <a:t>The variance and the mean for the Poisson distribution are equal!</a:t>
+            </a:r>
+          </a:p>
+        </p:txBody>
+      </p:sp>
     </p:spTree>
   </p:cSld>
   <p:clrMapOvr>
@@ -10502,16 +10185,48 @@
           <a:chExt cx="0" cy="0"/>
         </a:xfrm>
       </p:grpSpPr>
-      <p:sp>
-        <p:nvSpPr>
-          <p:cNvPr id="4" name="TextBox 3"/>
+      <p:pic>
+        <p:nvPicPr>
+          <p:cNvPr id="13315" name="Picture 3"/>
+          <p:cNvPicPr>
+            <a:picLocks noChangeAspect="1" noChangeArrowheads="1"/>
+          </p:cNvPicPr>
+          <p:nvPr/>
+        </p:nvPicPr>
+        <p:blipFill>
+          <a:blip r:embed="rId3" cstate="print"/>
+          <a:srcRect/>
+          <a:stretch>
+            <a:fillRect/>
+          </a:stretch>
+        </p:blipFill>
+        <p:spPr bwMode="auto">
+          <a:xfrm>
+            <a:off x="3581400" y="1295400"/>
+            <a:ext cx="4841929" cy="4463654"/>
+          </a:xfrm>
+          <a:prstGeom prst="rect">
+            <a:avLst/>
+          </a:prstGeom>
+          <a:noFill/>
+          <a:ln w="9525">
+            <a:noFill/>
+            <a:miter lim="800000"/>
+            <a:headEnd/>
+            <a:tailEnd/>
+          </a:ln>
+        </p:spPr>
+      </p:pic>
+      <p:sp>
+        <p:nvSpPr>
+          <p:cNvPr id="6" name="TextBox 5"/>
           <p:cNvSpPr txBox="1"/>
           <p:nvPr/>
         </p:nvSpPr>
         <p:spPr>
           <a:xfrm>
-            <a:off x="1282239" y="1143000"/>
-            <a:ext cx="6337761" cy="3139321"/>
+            <a:off x="457200" y="0"/>
+            <a:ext cx="7938905" cy="646331"/>
           </a:xfrm>
           <a:prstGeom prst="rect">
             <a:avLst/>
@@ -10526,66 +10241,83 @@
           <a:p>
             <a:r>
               <a:rPr lang="en-US" dirty="0" smtClean="0"/>
-              <a:t>For the binomial:</a:t>
-            </a:r>
-          </a:p>
-          <a:p>
-            <a:endParaRPr lang="en-US" dirty="0" smtClean="0"/>
-          </a:p>
-          <a:p>
-            <a:r>
-              <a:rPr lang="en-US" dirty="0" smtClean="0"/>
-              <a:t>	mean = </a:t>
-            </a:r>
-            <a:r>
-              <a:rPr lang="en-US" dirty="0" err="1" smtClean="0"/>
-              <a:t>np</a:t>
-            </a:r>
-            <a:endParaRPr lang="en-US" dirty="0" smtClean="0"/>
-          </a:p>
-          <a:p>
-            <a:r>
-              <a:rPr lang="en-US" dirty="0" smtClean="0"/>
-              <a:t>	variance = n * p * (1-p)</a:t>
-            </a:r>
-          </a:p>
-          <a:p>
-            <a:endParaRPr lang="en-US" dirty="0" smtClean="0"/>
-          </a:p>
-          <a:p>
-            <a:r>
-              <a:rPr lang="en-US" dirty="0" smtClean="0"/>
-              <a:t>For the Poisson, p is small.  (1-p) approaches 1 so…</a:t>
-            </a:r>
-          </a:p>
-          <a:p>
-            <a:endParaRPr lang="en-US" dirty="0" smtClean="0"/>
-          </a:p>
-          <a:p>
-            <a:r>
-              <a:rPr lang="en-US" dirty="0" smtClean="0"/>
-              <a:t>	mean = </a:t>
-            </a:r>
-            <a:r>
-              <a:rPr lang="en-US" dirty="0" err="1" smtClean="0"/>
-              <a:t>np</a:t>
-            </a:r>
-            <a:endParaRPr lang="en-US" dirty="0" smtClean="0"/>
-          </a:p>
-          <a:p>
-            <a:r>
-              <a:rPr lang="en-US" dirty="0" smtClean="0"/>
-              <a:t>	variance = n * p = mean</a:t>
-            </a:r>
-          </a:p>
-          <a:p>
-            <a:endParaRPr lang="en-US" dirty="0" smtClean="0"/>
-          </a:p>
-          <a:p>
-            <a:r>
-              <a:rPr lang="en-US" dirty="0" smtClean="0"/>
-              <a:t>The variance and the mean for the Poisson distribution are equal!</a:t>
-            </a:r>
+              <a:t>We see that the Poisson distribution nicely approximates the binomial distribution </a:t>
+            </a:r>
+          </a:p>
+          <a:p>
+            <a:r>
+              <a:rPr lang="en-US" dirty="0" smtClean="0"/>
+              <a:t>for a large sample size…</a:t>
+            </a:r>
+            <a:endParaRPr lang="en-US" dirty="0"/>
+          </a:p>
+        </p:txBody>
+      </p:sp>
+      <p:pic>
+        <p:nvPicPr>
+          <p:cNvPr id="13316" name="Picture 4"/>
+          <p:cNvPicPr>
+            <a:picLocks noChangeAspect="1" noChangeArrowheads="1"/>
+          </p:cNvPicPr>
+          <p:nvPr/>
+        </p:nvPicPr>
+        <p:blipFill>
+          <a:blip r:embed="rId4" cstate="print"/>
+          <a:srcRect/>
+          <a:stretch>
+            <a:fillRect/>
+          </a:stretch>
+        </p:blipFill>
+        <p:spPr bwMode="auto">
+          <a:xfrm>
+            <a:off x="457201" y="609600"/>
+            <a:ext cx="4267200" cy="828496"/>
+          </a:xfrm>
+          <a:prstGeom prst="rect">
+            <a:avLst/>
+          </a:prstGeom>
+          <a:noFill/>
+          <a:ln w="9525">
+            <a:noFill/>
+            <a:miter lim="800000"/>
+            <a:headEnd/>
+            <a:tailEnd/>
+          </a:ln>
+        </p:spPr>
+      </p:pic>
+      <p:sp>
+        <p:nvSpPr>
+          <p:cNvPr id="8" name="TextBox 7"/>
+          <p:cNvSpPr txBox="1"/>
+          <p:nvPr/>
+        </p:nvSpPr>
+        <p:spPr>
+          <a:xfrm>
+            <a:off x="76200" y="6019800"/>
+            <a:ext cx="9218806" cy="646331"/>
+          </a:xfrm>
+          <a:prstGeom prst="rect">
+            <a:avLst/>
+          </a:prstGeom>
+          <a:noFill/>
+        </p:spPr>
+        <p:txBody>
+          <a:bodyPr wrap="none" rtlCol="0">
+            <a:spAutoFit/>
+          </a:bodyPr>
+          <a:lstStyle/>
+          <a:p>
+            <a:r>
+              <a:rPr lang="en-US" dirty="0" smtClean="0"/>
+              <a:t>Derivation of the Poisson from the binomial for the limiting case of an infinite # of samples:</a:t>
+            </a:r>
+          </a:p>
+          <a:p>
+            <a:r>
+              <a:rPr lang="en-US" dirty="0" smtClean="0"/>
+              <a:t>http://www.the-idea-shop.com/article/216/deriving-the-poisson-distribution-from-the-binomial</a:t>
+            </a:r>
+            <a:endParaRPr lang="en-US" dirty="0"/>
           </a:p>
         </p:txBody>
       </p:sp>
@@ -10614,138 +10346,128 @@
           <a:chExt cx="0" cy="0"/>
         </a:xfrm>
       </p:grpSpPr>
-      <p:pic>
-        <p:nvPicPr>
-          <p:cNvPr id="13315" name="Picture 3"/>
-          <p:cNvPicPr>
-            <a:picLocks noChangeAspect="1" noChangeArrowheads="1"/>
-          </p:cNvPicPr>
-          <p:nvPr/>
-        </p:nvPicPr>
-        <p:blipFill>
-          <a:blip r:embed="rId3" cstate="print"/>
-          <a:srcRect/>
-          <a:stretch>
-            <a:fillRect/>
-          </a:stretch>
-        </p:blipFill>
-        <p:spPr bwMode="auto">
-          <a:xfrm>
-            <a:off x="3581400" y="1295400"/>
-            <a:ext cx="4841929" cy="4463654"/>
+      <p:sp>
+        <p:nvSpPr>
+          <p:cNvPr id="4" name="TextBox 3"/>
+          <p:cNvSpPr txBox="1"/>
+          <p:nvPr/>
+        </p:nvSpPr>
+        <p:spPr>
+          <a:xfrm flipH="1">
+            <a:off x="381000" y="381000"/>
+            <a:ext cx="8260083" cy="646331"/>
           </a:xfrm>
           <a:prstGeom prst="rect">
             <a:avLst/>
           </a:prstGeom>
           <a:noFill/>
-          <a:ln w="9525">
-            <a:noFill/>
-            <a:miter lim="800000"/>
-            <a:headEnd/>
-            <a:tailEnd/>
-          </a:ln>
-        </p:spPr>
-      </p:pic>
-      <p:sp>
-        <p:nvSpPr>
-          <p:cNvPr id="6" name="TextBox 5"/>
-          <p:cNvSpPr txBox="1"/>
-          <p:nvPr/>
-        </p:nvSpPr>
-        <p:spPr>
-          <a:xfrm>
-            <a:off x="457200" y="0"/>
-            <a:ext cx="7938905" cy="646331"/>
-          </a:xfrm>
-          <a:prstGeom prst="rect">
-            <a:avLst/>
-          </a:prstGeom>
-          <a:noFill/>
-        </p:spPr>
-        <p:txBody>
-          <a:bodyPr wrap="none" rtlCol="0">
+        </p:spPr>
+        <p:txBody>
+          <a:bodyPr wrap="square" rtlCol="0">
             <a:spAutoFit/>
           </a:bodyPr>
           <a:lstStyle/>
           <a:p>
             <a:r>
               <a:rPr lang="en-US" dirty="0" smtClean="0"/>
-              <a:t>We see that the Poisson distribution nicely approximates the binomial distribution </a:t>
-            </a:r>
-          </a:p>
-          <a:p>
-            <a:r>
-              <a:rPr lang="en-US" dirty="0" smtClean="0"/>
-              <a:t>for a large sample size…</a:t>
+              <a:t>Just as we can use the binomial test for inference, we can use the Poisson test for inference… </a:t>
             </a:r>
             <a:endParaRPr lang="en-US" dirty="0"/>
           </a:p>
         </p:txBody>
       </p:sp>
-      <p:pic>
-        <p:nvPicPr>
-          <p:cNvPr id="13316" name="Picture 4"/>
-          <p:cNvPicPr>
-            <a:picLocks noChangeAspect="1" noChangeArrowheads="1"/>
-          </p:cNvPicPr>
-          <p:nvPr/>
-        </p:nvPicPr>
-        <p:blipFill>
-          <a:blip r:embed="rId4" cstate="print"/>
-          <a:srcRect/>
-          <a:stretch>
-            <a:fillRect/>
-          </a:stretch>
-        </p:blipFill>
-        <p:spPr bwMode="auto">
-          <a:xfrm>
-            <a:off x="457201" y="609600"/>
-            <a:ext cx="4267200" cy="828496"/>
+      <p:sp>
+        <p:nvSpPr>
+          <p:cNvPr id="5" name="TextBox 4"/>
+          <p:cNvSpPr txBox="1"/>
+          <p:nvPr/>
+        </p:nvSpPr>
+        <p:spPr>
+          <a:xfrm flipH="1">
+            <a:off x="533400" y="1447800"/>
+            <a:ext cx="7543800" cy="3693319"/>
           </a:xfrm>
           <a:prstGeom prst="rect">
             <a:avLst/>
           </a:prstGeom>
           <a:noFill/>
-          <a:ln w="9525">
-            <a:noFill/>
-            <a:miter lim="800000"/>
-            <a:headEnd/>
-            <a:tailEnd/>
-          </a:ln>
-        </p:spPr>
-      </p:pic>
-      <p:sp>
-        <p:nvSpPr>
-          <p:cNvPr id="8" name="TextBox 7"/>
-          <p:cNvSpPr txBox="1"/>
-          <p:nvPr/>
-        </p:nvSpPr>
-        <p:spPr>
-          <a:xfrm>
-            <a:off x="76200" y="6019800"/>
-            <a:ext cx="9218806" cy="646331"/>
-          </a:xfrm>
-          <a:prstGeom prst="rect">
-            <a:avLst/>
-          </a:prstGeom>
-          <a:noFill/>
-        </p:spPr>
-        <p:txBody>
-          <a:bodyPr wrap="none" rtlCol="0">
+        </p:spPr>
+        <p:txBody>
+          <a:bodyPr wrap="square" rtlCol="0">
             <a:spAutoFit/>
           </a:bodyPr>
           <a:lstStyle/>
           <a:p>
             <a:r>
               <a:rPr lang="en-US" dirty="0" smtClean="0"/>
-              <a:t>Derivation of the Poisson from the binomial for the limiting case of an infinite # of samples:</a:t>
-            </a:r>
-          </a:p>
-          <a:p>
-            <a:r>
-              <a:rPr lang="en-US" dirty="0" smtClean="0"/>
-              <a:t>http://www.the-idea-shop.com/article/216/deriving-the-poisson-distribution-from-the-binomial</a:t>
-            </a:r>
+              <a:t>Consider an RNA </a:t>
+            </a:r>
+            <a:r>
+              <a:rPr lang="en-US" dirty="0" err="1" smtClean="0"/>
+              <a:t>seq</a:t>
+            </a:r>
+            <a:r>
+              <a:rPr lang="en-US" dirty="0" smtClean="0"/>
+              <a:t> experiment (modeled the same way as marked cards):</a:t>
+            </a:r>
+          </a:p>
+          <a:p>
+            <a:endParaRPr lang="en-US" dirty="0" smtClean="0"/>
+          </a:p>
+          <a:p>
+            <a:r>
+              <a:rPr lang="en-US" dirty="0" smtClean="0"/>
+              <a:t>	I have a (small) RNA-</a:t>
+            </a:r>
+            <a:r>
+              <a:rPr lang="en-US" dirty="0" err="1" smtClean="0"/>
+              <a:t>seq</a:t>
+            </a:r>
+            <a:r>
+              <a:rPr lang="en-US" dirty="0" smtClean="0"/>
+              <a:t> dataset with 100,000 reads</a:t>
+            </a:r>
+          </a:p>
+          <a:p>
+            <a:r>
+              <a:rPr lang="en-US" dirty="0" smtClean="0"/>
+              <a:t>	I have a gene that is expressed 0.1% of the time.</a:t>
+            </a:r>
+          </a:p>
+          <a:p>
+            <a:endParaRPr lang="en-US" dirty="0" smtClean="0"/>
+          </a:p>
+          <a:p>
+            <a:r>
+              <a:rPr lang="en-US" dirty="0" smtClean="0"/>
+              <a:t>	Expected number of reads = p * N = 100,000 * 0.001 = 100</a:t>
+            </a:r>
+          </a:p>
+          <a:p>
+            <a:endParaRPr lang="en-US" dirty="0" smtClean="0"/>
+          </a:p>
+          <a:p>
+            <a:r>
+              <a:rPr lang="en-US" dirty="0" smtClean="0"/>
+              <a:t>	What are the odds that I would see X sequences from this gene?</a:t>
+            </a:r>
+          </a:p>
+          <a:p>
+            <a:r>
+              <a:rPr lang="en-US" dirty="0" smtClean="0"/>
+              <a:t>	This is the same problem as for the cards…</a:t>
+            </a:r>
+          </a:p>
+          <a:p>
+            <a:endParaRPr lang="en-US" dirty="0" smtClean="0"/>
+          </a:p>
+          <a:p>
+            <a:endParaRPr lang="en-US" dirty="0" smtClean="0"/>
+          </a:p>
+          <a:p>
+            <a:endParaRPr lang="en-US" dirty="0" smtClean="0"/>
+          </a:p>
+          <a:p>
             <a:endParaRPr lang="en-US" dirty="0"/>
           </a:p>
         </p:txBody>
@@ -10951,46 +10673,114 @@
           <a:chExt cx="0" cy="0"/>
         </a:xfrm>
       </p:grpSpPr>
-      <p:sp>
-        <p:nvSpPr>
-          <p:cNvPr id="4" name="TextBox 3"/>
-          <p:cNvSpPr txBox="1"/>
+      <p:pic>
+        <p:nvPicPr>
+          <p:cNvPr id="18434" name="Picture 2"/>
+          <p:cNvPicPr>
+            <a:picLocks noChangeAspect="1" noChangeArrowheads="1"/>
+          </p:cNvPicPr>
+          <p:nvPr/>
+        </p:nvPicPr>
+        <p:blipFill>
+          <a:blip r:embed="rId3" cstate="print"/>
+          <a:srcRect/>
+          <a:stretch>
+            <a:fillRect/>
+          </a:stretch>
+        </p:blipFill>
+        <p:spPr bwMode="auto">
+          <a:xfrm>
+            <a:off x="4191000" y="1981200"/>
+            <a:ext cx="4640925" cy="4572000"/>
+          </a:xfrm>
+          <a:prstGeom prst="rect">
+            <a:avLst/>
+          </a:prstGeom>
+          <a:noFill/>
+          <a:ln w="9525">
+            <a:noFill/>
+            <a:miter lim="800000"/>
+            <a:headEnd/>
+            <a:tailEnd/>
+          </a:ln>
+        </p:spPr>
+      </p:pic>
+      <p:pic>
+        <p:nvPicPr>
+          <p:cNvPr id="18435" name="Picture 3"/>
+          <p:cNvPicPr>
+            <a:picLocks noChangeAspect="1" noChangeArrowheads="1"/>
+          </p:cNvPicPr>
+          <p:nvPr/>
+        </p:nvPicPr>
+        <p:blipFill>
+          <a:blip r:embed="rId4" cstate="print"/>
+          <a:srcRect/>
+          <a:stretch>
+            <a:fillRect/>
+          </a:stretch>
+        </p:blipFill>
+        <p:spPr bwMode="auto">
+          <a:xfrm>
+            <a:off x="304799" y="838200"/>
+            <a:ext cx="7498735" cy="1219200"/>
+          </a:xfrm>
+          <a:prstGeom prst="rect">
+            <a:avLst/>
+          </a:prstGeom>
+          <a:noFill/>
+          <a:ln w="9525">
+            <a:noFill/>
+            <a:miter lim="800000"/>
+            <a:headEnd/>
+            <a:tailEnd/>
+          </a:ln>
+        </p:spPr>
+      </p:pic>
+      <p:sp>
+        <p:nvSpPr>
+          <p:cNvPr id="7" name="Rectangle 6"/>
+          <p:cNvSpPr/>
           <p:nvPr/>
         </p:nvSpPr>
         <p:spPr>
-          <a:xfrm flipH="1">
-            <a:off x="381000" y="381000"/>
-            <a:ext cx="8260083" cy="646331"/>
+          <a:xfrm>
+            <a:off x="381000" y="115669"/>
+            <a:ext cx="7620000" cy="646331"/>
           </a:xfrm>
           <a:prstGeom prst="rect">
             <a:avLst/>
           </a:prstGeom>
-          <a:noFill/>
-        </p:spPr>
-        <p:txBody>
-          <a:bodyPr wrap="square" rtlCol="0">
+        </p:spPr>
+        <p:txBody>
+          <a:bodyPr wrap="square">
             <a:spAutoFit/>
           </a:bodyPr>
           <a:lstStyle/>
           <a:p>
             <a:r>
               <a:rPr lang="en-US" dirty="0" smtClean="0"/>
-              <a:t>Just as we can use the binomial test for inference, we can use the Poisson test for inference… </a:t>
-            </a:r>
-            <a:endParaRPr lang="en-US" dirty="0"/>
-          </a:p>
-        </p:txBody>
-      </p:sp>
-      <p:sp>
-        <p:nvSpPr>
-          <p:cNvPr id="5" name="TextBox 4"/>
+              <a:t>What are the odds that I would see X sequences from this gene?</a:t>
+            </a:r>
+          </a:p>
+          <a:p>
+            <a:r>
+              <a:rPr lang="en-US" dirty="0" smtClean="0"/>
+              <a:t>	This is the same problem as for the cards…</a:t>
+            </a:r>
+          </a:p>
+        </p:txBody>
+      </p:sp>
+      <p:sp>
+        <p:nvSpPr>
+          <p:cNvPr id="8" name="TextBox 7"/>
           <p:cNvSpPr txBox="1"/>
           <p:nvPr/>
         </p:nvSpPr>
         <p:spPr>
-          <a:xfrm flipH="1">
-            <a:off x="533400" y="1447800"/>
-            <a:ext cx="7543800" cy="3693319"/>
+          <a:xfrm>
+            <a:off x="228600" y="2438400"/>
+            <a:ext cx="3958841" cy="646331"/>
           </a:xfrm>
           <a:prstGeom prst="rect">
             <a:avLst/>
@@ -10998,89 +10788,63 @@
           <a:noFill/>
         </p:spPr>
         <p:txBody>
-          <a:bodyPr wrap="square" rtlCol="0">
+          <a:bodyPr wrap="none" rtlCol="0">
             <a:spAutoFit/>
           </a:bodyPr>
           <a:lstStyle/>
           <a:p>
             <a:r>
               <a:rPr lang="en-US" dirty="0" smtClean="0"/>
-              <a:t>Consider an RNA </a:t>
-            </a:r>
-            <a:r>
-              <a:rPr lang="en-US" dirty="0" err="1" smtClean="0"/>
-              <a:t>seq</a:t>
-            </a:r>
-            <a:r>
-              <a:rPr lang="en-US" dirty="0" smtClean="0"/>
-              <a:t> experiment (modeled the same way as marked cards):</a:t>
-            </a:r>
-          </a:p>
-          <a:p>
-            <a:endParaRPr lang="en-US" dirty="0" smtClean="0"/>
-          </a:p>
-          <a:p>
-            <a:r>
-              <a:rPr lang="en-US" dirty="0" smtClean="0"/>
-              <a:t>	I have a (small) RNA-</a:t>
-            </a:r>
-            <a:r>
-              <a:rPr lang="en-US" dirty="0" err="1" smtClean="0"/>
-              <a:t>seq</a:t>
-            </a:r>
-            <a:r>
-              <a:rPr lang="en-US" dirty="0" smtClean="0"/>
-              <a:t> dataset with 100,000 reads</a:t>
-            </a:r>
-          </a:p>
-          <a:p>
-            <a:r>
-              <a:rPr lang="en-US" dirty="0" smtClean="0"/>
-              <a:t>	I have a gene that is expressed 0.1% of the time.</a:t>
-            </a:r>
-          </a:p>
-          <a:p>
-            <a:endParaRPr lang="en-US" dirty="0" smtClean="0"/>
-          </a:p>
-          <a:p>
-            <a:r>
-              <a:rPr lang="en-US" dirty="0" smtClean="0"/>
-              <a:t>	Expected number of reads = p * N = 100,000 * 0.001 = 100</a:t>
-            </a:r>
-          </a:p>
-          <a:p>
-            <a:endParaRPr lang="en-US" dirty="0" smtClean="0"/>
-          </a:p>
-          <a:p>
-            <a:r>
-              <a:rPr lang="en-US" dirty="0" smtClean="0"/>
-              <a:t>	What are the odds that I would see X sequences from this gene?</a:t>
-            </a:r>
-          </a:p>
-          <a:p>
-            <a:r>
-              <a:rPr lang="en-US" dirty="0" smtClean="0"/>
-              <a:t>	This is </a:t>
-            </a:r>
-            <a:r>
-              <a:rPr lang="en-US" dirty="0" smtClean="0"/>
-              <a:t>(almost) the </a:t>
-            </a:r>
-            <a:r>
-              <a:rPr lang="en-US" dirty="0" smtClean="0"/>
-              <a:t>same problem as for the cards…</a:t>
-            </a:r>
-          </a:p>
-          <a:p>
-            <a:endParaRPr lang="en-US" dirty="0" smtClean="0"/>
-          </a:p>
-          <a:p>
-            <a:endParaRPr lang="en-US" dirty="0" smtClean="0"/>
-          </a:p>
-          <a:p>
-            <a:endParaRPr lang="en-US" dirty="0" smtClean="0"/>
-          </a:p>
-          <a:p>
+              <a:t>We can do inference in exactly the same</a:t>
+            </a:r>
+          </a:p>
+          <a:p>
+            <a:r>
+              <a:rPr lang="en-US" dirty="0" smtClean="0"/>
+              <a:t>way as the binomial test…</a:t>
+            </a:r>
+            <a:endParaRPr lang="en-US" dirty="0"/>
+          </a:p>
+        </p:txBody>
+      </p:sp>
+      <p:sp>
+        <p:nvSpPr>
+          <p:cNvPr id="9" name="TextBox 8"/>
+          <p:cNvSpPr txBox="1"/>
+          <p:nvPr/>
+        </p:nvSpPr>
+        <p:spPr>
+          <a:xfrm>
+            <a:off x="228600" y="3352800"/>
+            <a:ext cx="3953455" cy="923330"/>
+          </a:xfrm>
+          <a:prstGeom prst="rect">
+            <a:avLst/>
+          </a:prstGeom>
+          <a:noFill/>
+        </p:spPr>
+        <p:txBody>
+          <a:bodyPr wrap="none" rtlCol="0">
+            <a:spAutoFit/>
+          </a:bodyPr>
+          <a:lstStyle/>
+          <a:p>
+            <a:r>
+              <a:rPr lang="en-US" dirty="0" smtClean="0"/>
+              <a:t>What are the odds that I would see </a:t>
+            </a:r>
+          </a:p>
+          <a:p>
+            <a:r>
+              <a:rPr lang="en-US" dirty="0" smtClean="0"/>
+              <a:t>130 reads if the “true” expression of the</a:t>
+            </a:r>
+          </a:p>
+          <a:p>
+            <a:r>
+              <a:rPr lang="en-US" dirty="0" smtClean="0"/>
+              <a:t>gene was 0.001?</a:t>
+            </a:r>
             <a:endParaRPr lang="en-US" dirty="0"/>
           </a:p>
         </p:txBody>
@@ -11110,9 +10874,39 @@
           <a:chExt cx="0" cy="0"/>
         </a:xfrm>
       </p:grpSpPr>
+      <p:sp>
+        <p:nvSpPr>
+          <p:cNvPr id="4" name="TextBox 3"/>
+          <p:cNvSpPr txBox="1"/>
+          <p:nvPr/>
+        </p:nvSpPr>
+        <p:spPr>
+          <a:xfrm>
+            <a:off x="838200" y="152400"/>
+            <a:ext cx="7162800" cy="646331"/>
+          </a:xfrm>
+          <a:prstGeom prst="rect">
+            <a:avLst/>
+          </a:prstGeom>
+          <a:noFill/>
+        </p:spPr>
+        <p:txBody>
+          <a:bodyPr wrap="square" rtlCol="0">
+            <a:spAutoFit/>
+          </a:bodyPr>
+          <a:lstStyle/>
+          <a:p>
+            <a:r>
+              <a:rPr lang="en-US" dirty="0" smtClean="0"/>
+              <a:t>What are the odds that I would see 130 reads if the “true” expression of the gene was 0.001?</a:t>
+            </a:r>
+            <a:endParaRPr lang="en-US" dirty="0"/>
+          </a:p>
+        </p:txBody>
+      </p:sp>
       <p:pic>
         <p:nvPicPr>
-          <p:cNvPr id="18434" name="Picture 2"/>
+          <p:cNvPr id="19458" name="Picture 2"/>
           <p:cNvPicPr>
             <a:picLocks noChangeAspect="1" noChangeArrowheads="1"/>
           </p:cNvPicPr>
@@ -11127,8 +10921,8 @@
         </p:blipFill>
         <p:spPr bwMode="auto">
           <a:xfrm>
-            <a:off x="4191000" y="1981200"/>
-            <a:ext cx="4640925" cy="4572000"/>
+            <a:off x="990600" y="1143000"/>
+            <a:ext cx="6477000" cy="4105275"/>
           </a:xfrm>
           <a:prstGeom prst="rect">
             <a:avLst/>
@@ -11142,90 +10936,16 @@
           </a:ln>
         </p:spPr>
       </p:pic>
-      <p:pic>
-        <p:nvPicPr>
-          <p:cNvPr id="18435" name="Picture 3"/>
-          <p:cNvPicPr>
-            <a:picLocks noChangeAspect="1" noChangeArrowheads="1"/>
-          </p:cNvPicPr>
-          <p:nvPr/>
-        </p:nvPicPr>
-        <p:blipFill>
-          <a:blip r:embed="rId4" cstate="print"/>
-          <a:srcRect/>
-          <a:stretch>
-            <a:fillRect/>
-          </a:stretch>
-        </p:blipFill>
-        <p:spPr bwMode="auto">
-          <a:xfrm>
-            <a:off x="304799" y="838200"/>
-            <a:ext cx="7498735" cy="1219200"/>
-          </a:xfrm>
-          <a:prstGeom prst="rect">
-            <a:avLst/>
-          </a:prstGeom>
-          <a:noFill/>
-          <a:ln w="9525">
-            <a:noFill/>
-            <a:miter lim="800000"/>
-            <a:headEnd/>
-            <a:tailEnd/>
-          </a:ln>
-        </p:spPr>
-      </p:pic>
-      <p:sp>
-        <p:nvSpPr>
-          <p:cNvPr id="7" name="Rectangle 6"/>
-          <p:cNvSpPr/>
+      <p:sp>
+        <p:nvSpPr>
+          <p:cNvPr id="7" name="TextBox 6"/>
+          <p:cNvSpPr txBox="1"/>
           <p:nvPr/>
         </p:nvSpPr>
         <p:spPr>
           <a:xfrm>
-            <a:off x="381000" y="115669"/>
-            <a:ext cx="7620000" cy="646331"/>
-          </a:xfrm>
-          <a:prstGeom prst="rect">
-            <a:avLst/>
-          </a:prstGeom>
-        </p:spPr>
-        <p:txBody>
-          <a:bodyPr wrap="square">
-            <a:spAutoFit/>
-          </a:bodyPr>
-          <a:lstStyle/>
-          <a:p>
-            <a:r>
-              <a:rPr lang="en-US" dirty="0" smtClean="0"/>
-              <a:t>What are the odds that I would see X sequences from this gene?</a:t>
-            </a:r>
-          </a:p>
-          <a:p>
-            <a:r>
-              <a:rPr lang="en-US" dirty="0" smtClean="0"/>
-              <a:t>	This is </a:t>
-            </a:r>
-            <a:r>
-              <a:rPr lang="en-US" dirty="0" smtClean="0"/>
-              <a:t>(almost) the </a:t>
-            </a:r>
-            <a:r>
-              <a:rPr lang="en-US" dirty="0" smtClean="0"/>
-              <a:t>same problem as for the cards…</a:t>
-            </a:r>
-          </a:p>
-        </p:txBody>
-      </p:sp>
-      <p:sp>
-        <p:nvSpPr>
-          <p:cNvPr id="8" name="TextBox 7"/>
-          <p:cNvSpPr txBox="1"/>
-          <p:nvPr/>
-        </p:nvSpPr>
-        <p:spPr>
-          <a:xfrm>
-            <a:off x="228600" y="2438400"/>
-            <a:ext cx="3958841" cy="646331"/>
+            <a:off x="381000" y="5486400"/>
+            <a:ext cx="8590750" cy="646331"/>
           </a:xfrm>
           <a:prstGeom prst="rect">
             <a:avLst/>
@@ -11240,55 +10960,13 @@
           <a:p>
             <a:r>
               <a:rPr lang="en-US" dirty="0" smtClean="0"/>
-              <a:t>We can do inference in exactly the same</a:t>
-            </a:r>
-          </a:p>
-          <a:p>
-            <a:r>
-              <a:rPr lang="en-US" dirty="0" smtClean="0"/>
-              <a:t>way as the binomial test…</a:t>
-            </a:r>
-            <a:endParaRPr lang="en-US" dirty="0"/>
-          </a:p>
-        </p:txBody>
-      </p:sp>
-      <p:sp>
-        <p:nvSpPr>
-          <p:cNvPr id="9" name="TextBox 8"/>
-          <p:cNvSpPr txBox="1"/>
-          <p:nvPr/>
-        </p:nvSpPr>
-        <p:spPr>
-          <a:xfrm>
-            <a:off x="228600" y="3352800"/>
-            <a:ext cx="3953455" cy="923330"/>
-          </a:xfrm>
-          <a:prstGeom prst="rect">
-            <a:avLst/>
-          </a:prstGeom>
-          <a:noFill/>
-        </p:spPr>
-        <p:txBody>
-          <a:bodyPr wrap="none" rtlCol="0">
-            <a:spAutoFit/>
-          </a:bodyPr>
-          <a:lstStyle/>
-          <a:p>
-            <a:r>
-              <a:rPr lang="en-US" dirty="0" smtClean="0"/>
-              <a:t>What are the odds that I would see </a:t>
-            </a:r>
-          </a:p>
-          <a:p>
-            <a:r>
-              <a:rPr lang="en-US" dirty="0" smtClean="0"/>
-              <a:t>130 reads if the “true” expression of the</a:t>
-            </a:r>
-          </a:p>
-          <a:p>
-            <a:r>
-              <a:rPr lang="en-US" dirty="0" smtClean="0"/>
-              <a:t>gene was 0.001?</a:t>
+              <a:t>The Poisson and binomial tests will give (nearly) identical results in the limiting case of an </a:t>
+            </a:r>
+          </a:p>
+          <a:p>
+            <a:r>
+              <a:rPr lang="en-US" dirty="0" smtClean="0"/>
+              <a:t>infinitely large sample size and small p.</a:t>
             </a:r>
             <a:endParaRPr lang="en-US" dirty="0"/>
           </a:p>
@@ -11321,76 +10999,14 @@
       </p:grpSpPr>
       <p:sp>
         <p:nvSpPr>
-          <p:cNvPr id="4" name="TextBox 3"/>
+          <p:cNvPr id="5" name="TextBox 4"/>
           <p:cNvSpPr txBox="1"/>
           <p:nvPr/>
         </p:nvSpPr>
         <p:spPr>
           <a:xfrm>
-            <a:off x="838200" y="152400"/>
-            <a:ext cx="7162800" cy="646331"/>
-          </a:xfrm>
-          <a:prstGeom prst="rect">
-            <a:avLst/>
-          </a:prstGeom>
-          <a:noFill/>
-        </p:spPr>
-        <p:txBody>
-          <a:bodyPr wrap="square" rtlCol="0">
-            <a:spAutoFit/>
-          </a:bodyPr>
-          <a:lstStyle/>
-          <a:p>
-            <a:r>
-              <a:rPr lang="en-US" dirty="0" smtClean="0"/>
-              <a:t>What are the odds that I would see 130 reads if the “true” expression of the gene was 0.001?</a:t>
-            </a:r>
-            <a:endParaRPr lang="en-US" dirty="0"/>
-          </a:p>
-        </p:txBody>
-      </p:sp>
-      <p:pic>
-        <p:nvPicPr>
-          <p:cNvPr id="19458" name="Picture 2"/>
-          <p:cNvPicPr>
-            <a:picLocks noChangeAspect="1" noChangeArrowheads="1"/>
-          </p:cNvPicPr>
-          <p:nvPr/>
-        </p:nvPicPr>
-        <p:blipFill>
-          <a:blip r:embed="rId3" cstate="print"/>
-          <a:srcRect/>
-          <a:stretch>
-            <a:fillRect/>
-          </a:stretch>
-        </p:blipFill>
-        <p:spPr bwMode="auto">
-          <a:xfrm>
-            <a:off x="990600" y="1143000"/>
-            <a:ext cx="6477000" cy="4105275"/>
-          </a:xfrm>
-          <a:prstGeom prst="rect">
-            <a:avLst/>
-          </a:prstGeom>
-          <a:noFill/>
-          <a:ln w="9525">
-            <a:noFill/>
-            <a:miter lim="800000"/>
-            <a:headEnd/>
-            <a:tailEnd/>
-          </a:ln>
-        </p:spPr>
-      </p:pic>
-      <p:sp>
-        <p:nvSpPr>
-          <p:cNvPr id="7" name="TextBox 6"/>
-          <p:cNvSpPr txBox="1"/>
-          <p:nvPr/>
-        </p:nvSpPr>
-        <p:spPr>
-          <a:xfrm>
-            <a:off x="381000" y="5486400"/>
-            <a:ext cx="8590750" cy="646331"/>
+            <a:off x="381000" y="381000"/>
+            <a:ext cx="7624523" cy="1477328"/>
           </a:xfrm>
           <a:prstGeom prst="rect">
             <a:avLst/>
@@ -11405,18 +11021,86 @@
           <a:p>
             <a:r>
               <a:rPr lang="en-US" dirty="0" smtClean="0"/>
-              <a:t>The Poisson and binomial tests will give (nearly) identical results in the limiting case of an </a:t>
-            </a:r>
-          </a:p>
-          <a:p>
-            <a:r>
-              <a:rPr lang="en-US" dirty="0" smtClean="0"/>
-              <a:t>infinitely large sample size and small p.</a:t>
-            </a:r>
+              <a:t>The </a:t>
+            </a:r>
+            <a:r>
+              <a:rPr lang="en-US" dirty="0" err="1" smtClean="0"/>
+              <a:t>hypergeometric</a:t>
+            </a:r>
+            <a:r>
+              <a:rPr lang="en-US" dirty="0" smtClean="0"/>
+              <a:t> distribution/ Fisher exact test</a:t>
+            </a:r>
+          </a:p>
+          <a:p>
+            <a:r>
+              <a:rPr lang="en-US" dirty="0" smtClean="0"/>
+              <a:t>Using the </a:t>
+            </a:r>
+            <a:r>
+              <a:rPr lang="en-US" dirty="0" err="1" smtClean="0"/>
+              <a:t>hypergeometric</a:t>
+            </a:r>
+            <a:r>
+              <a:rPr lang="en-US" dirty="0" smtClean="0"/>
+              <a:t> distribution to ask if there is a lane effect for RNA-seq</a:t>
+            </a:r>
+          </a:p>
+          <a:p>
+            <a:r>
+              <a:rPr lang="en-US" dirty="0" smtClean="0"/>
+              <a:t>The Poisson distribution</a:t>
+            </a:r>
+          </a:p>
+          <a:p>
+            <a:r>
+              <a:rPr lang="en-US" dirty="0" smtClean="0"/>
+              <a:t>The Poisson distribution and </a:t>
+            </a:r>
+            <a:r>
+              <a:rPr lang="en-US" dirty="0" err="1" smtClean="0"/>
+              <a:t>rnaSeq</a:t>
+            </a:r>
+            <a:endParaRPr lang="en-US" dirty="0" smtClean="0"/>
+          </a:p>
+          <a:p>
             <a:endParaRPr lang="en-US" dirty="0"/>
           </a:p>
         </p:txBody>
       </p:sp>
+      <p:cxnSp>
+        <p:nvCxnSpPr>
+          <p:cNvPr id="6" name="Straight Arrow Connector 5"/>
+          <p:cNvCxnSpPr/>
+          <p:nvPr/>
+        </p:nvCxnSpPr>
+        <p:spPr>
+          <a:xfrm rot="10800000">
+            <a:off x="3810000" y="1371600"/>
+            <a:ext cx="609600" cy="1588"/>
+          </a:xfrm>
+          <a:prstGeom prst="straightConnector1">
+            <a:avLst/>
+          </a:prstGeom>
+          <a:ln>
+            <a:tailEnd type="arrow"/>
+          </a:ln>
+        </p:spPr>
+        <p:style>
+          <a:lnRef idx="1">
+            <a:schemeClr val="accent1"/>
+          </a:lnRef>
+          <a:fillRef idx="0">
+            <a:schemeClr val="accent1"/>
+          </a:fillRef>
+          <a:effectRef idx="0">
+            <a:schemeClr val="accent1"/>
+          </a:effectRef>
+          <a:fontRef idx="minor">
+            <a:schemeClr val="tx1"/>
+          </a:fontRef>
+        </p:style>
+      </p:cxnSp>
     </p:spTree>
   </p:cSld>
   <p:clrMapOvr>
@@ -11442,16 +11126,48 @@
           <a:chExt cx="0" cy="0"/>
         </a:xfrm>
       </p:grpSpPr>
-      <p:sp>
-        <p:nvSpPr>
-          <p:cNvPr id="5" name="TextBox 4"/>
+      <p:pic>
+        <p:nvPicPr>
+          <p:cNvPr id="26627" name="Picture 3"/>
+          <p:cNvPicPr>
+            <a:picLocks noChangeAspect="1" noChangeArrowheads="1"/>
+          </p:cNvPicPr>
+          <p:nvPr/>
+        </p:nvPicPr>
+        <p:blipFill>
+          <a:blip r:embed="rId3" cstate="print"/>
+          <a:srcRect/>
+          <a:stretch>
+            <a:fillRect/>
+          </a:stretch>
+        </p:blipFill>
+        <p:spPr bwMode="auto">
+          <a:xfrm>
+            <a:off x="2286000" y="609600"/>
+            <a:ext cx="6728185" cy="5859788"/>
+          </a:xfrm>
+          <a:prstGeom prst="rect">
+            <a:avLst/>
+          </a:prstGeom>
+          <a:noFill/>
+          <a:ln w="9525">
+            <a:noFill/>
+            <a:miter lim="800000"/>
+            <a:headEnd/>
+            <a:tailEnd/>
+          </a:ln>
+        </p:spPr>
+      </p:pic>
+      <p:sp>
+        <p:nvSpPr>
+          <p:cNvPr id="4" name="TextBox 3"/>
           <p:cNvSpPr txBox="1"/>
           <p:nvPr/>
         </p:nvSpPr>
         <p:spPr>
           <a:xfrm>
-            <a:off x="381000" y="381000"/>
-            <a:ext cx="7624523" cy="1477328"/>
+            <a:off x="152400" y="-76200"/>
+            <a:ext cx="6180923" cy="830997"/>
           </a:xfrm>
           <a:prstGeom prst="rect">
             <a:avLst/>
@@ -11465,87 +11181,62 @@
           <a:lstStyle/>
           <a:p>
             <a:r>
-              <a:rPr lang="en-US" dirty="0" smtClean="0"/>
-              <a:t>The </a:t>
-            </a:r>
-            <a:r>
-              <a:rPr lang="en-US" dirty="0" err="1" smtClean="0"/>
-              <a:t>hypergeometric</a:t>
-            </a:r>
-            <a:r>
-              <a:rPr lang="en-US" dirty="0" smtClean="0"/>
-              <a:t> distribution/ Fisher exact test</a:t>
-            </a:r>
-          </a:p>
-          <a:p>
-            <a:r>
-              <a:rPr lang="en-US" dirty="0" smtClean="0"/>
-              <a:t>Using the </a:t>
-            </a:r>
-            <a:r>
-              <a:rPr lang="en-US" dirty="0" err="1" smtClean="0"/>
-              <a:t>hypergeometric</a:t>
-            </a:r>
-            <a:r>
-              <a:rPr lang="en-US" dirty="0" smtClean="0"/>
-              <a:t> distribution to ask if there is a lane effect for RNA-seq</a:t>
-            </a:r>
-          </a:p>
-          <a:p>
-            <a:r>
-              <a:rPr lang="en-US" dirty="0" smtClean="0"/>
-              <a:t>The Poisson distribution</a:t>
-            </a:r>
-          </a:p>
-          <a:p>
-            <a:r>
-              <a:rPr lang="en-US" dirty="0" smtClean="0"/>
-              <a:t>The Poisson distribution and </a:t>
-            </a:r>
-            <a:r>
-              <a:rPr lang="en-US" dirty="0" err="1" smtClean="0"/>
-              <a:t>rnaSeq</a:t>
-            </a:r>
-            <a:endParaRPr lang="en-US" dirty="0" smtClean="0"/>
-          </a:p>
-          <a:p>
-            <a:endParaRPr lang="en-US" dirty="0"/>
-          </a:p>
-        </p:txBody>
-      </p:sp>
-      <p:cxnSp>
-        <p:nvCxnSpPr>
-          <p:cNvPr id="6" name="Straight Arrow Connector 5"/>
-          <p:cNvCxnSpPr/>
-          <p:nvPr/>
-        </p:nvCxnSpPr>
+              <a:rPr lang="en-US" sz="1600" dirty="0" smtClean="0"/>
+              <a:t>We can use the Poisson distribution to simulate an </a:t>
+            </a:r>
+            <a:r>
+              <a:rPr lang="en-US" sz="1600" dirty="0" err="1" smtClean="0"/>
+              <a:t>rna</a:t>
+            </a:r>
+            <a:r>
+              <a:rPr lang="en-US" sz="1600" dirty="0" smtClean="0"/>
+              <a:t>-seq experiment.</a:t>
+            </a:r>
+          </a:p>
+          <a:p>
+            <a:r>
+              <a:rPr lang="en-US" sz="1600" dirty="0" smtClean="0"/>
+              <a:t>We call a success ( a read that belongs to the gene) “1” and a failure “0”.</a:t>
+            </a:r>
+          </a:p>
+          <a:p>
+            <a:r>
+              <a:rPr lang="en-US" sz="1600" dirty="0" smtClean="0"/>
+              <a:t>Then mean = n * p = # of expected successes..</a:t>
+            </a:r>
+            <a:endParaRPr lang="en-US" sz="1600" dirty="0"/>
+          </a:p>
+        </p:txBody>
+      </p:sp>
+      <p:sp>
+        <p:nvSpPr>
+          <p:cNvPr id="5" name="Rectangle 4"/>
+          <p:cNvSpPr/>
+          <p:nvPr/>
+        </p:nvSpPr>
         <p:spPr>
-          <a:xfrm rot="10800000">
-            <a:off x="3810000" y="1371600"/>
-            <a:ext cx="609600" cy="1588"/>
-          </a:xfrm>
-          <a:prstGeom prst="straightConnector1">
-            <a:avLst/>
-          </a:prstGeom>
-          <a:ln>
-            <a:tailEnd type="arrow"/>
-          </a:ln>
-        </p:spPr>
-        <p:style>
-          <a:lnRef idx="1">
-            <a:schemeClr val="accent1"/>
-          </a:lnRef>
-          <a:fillRef idx="0">
-            <a:schemeClr val="accent1"/>
-          </a:fillRef>
-          <a:effectRef idx="0">
-            <a:schemeClr val="accent1"/>
-          </a:effectRef>
-          <a:fontRef idx="minor">
-            <a:schemeClr val="tx1"/>
-          </a:fontRef>
-        </p:style>
-      </p:cxnSp>
+          <a:xfrm>
+            <a:off x="76200" y="6488668"/>
+            <a:ext cx="11353800" cy="338554"/>
+          </a:xfrm>
+          <a:prstGeom prst="rect">
+            <a:avLst/>
+          </a:prstGeom>
+        </p:spPr>
+        <p:txBody>
+          <a:bodyPr wrap="square">
+            <a:spAutoFit/>
+          </a:bodyPr>
+          <a:lstStyle/>
+          <a:p>
+            <a:r>
+              <a:rPr lang="en-US" sz="1600" dirty="0" smtClean="0"/>
+              <a:t>https://github.com/afodor/metagenomicsTools/blob/master/src/classExamples/simDist/Poisson.txt</a:t>
+            </a:r>
+            <a:endParaRPr lang="en-US" sz="1600" dirty="0"/>
+          </a:p>
+        </p:txBody>
+      </p:sp>
     </p:spTree>
   </p:cSld>
   <p:clrMapOvr>
@@ -11571,59 +11262,9 @@
           <a:chExt cx="0" cy="0"/>
         </a:xfrm>
       </p:grpSpPr>
-      <p:sp>
-        <p:nvSpPr>
-          <p:cNvPr id="4" name="TextBox 3"/>
-          <p:cNvSpPr txBox="1"/>
-          <p:nvPr/>
-        </p:nvSpPr>
-        <p:spPr>
-          <a:xfrm>
-            <a:off x="152400" y="-76200"/>
-            <a:ext cx="6180923" cy="830997"/>
-          </a:xfrm>
-          <a:prstGeom prst="rect">
-            <a:avLst/>
-          </a:prstGeom>
-          <a:noFill/>
-        </p:spPr>
-        <p:txBody>
-          <a:bodyPr wrap="none" rtlCol="0">
-            <a:spAutoFit/>
-          </a:bodyPr>
-          <a:lstStyle/>
-          <a:p>
-            <a:r>
-              <a:rPr lang="en-US" sz="1600" dirty="0" smtClean="0"/>
-              <a:t>We can use the Poisson distribution to simulate an </a:t>
-            </a:r>
-            <a:r>
-              <a:rPr lang="en-US" sz="1600" dirty="0" err="1" smtClean="0"/>
-              <a:t>rna</a:t>
-            </a:r>
-            <a:r>
-              <a:rPr lang="en-US" sz="1600" dirty="0" smtClean="0"/>
-              <a:t>-seq experiment.</a:t>
-            </a:r>
-          </a:p>
-          <a:p>
-            <a:r>
-              <a:rPr lang="en-US" sz="1600" dirty="0" smtClean="0"/>
-              <a:t>We call a success ( a read that belongs to the gene) “1” and a failure “0”.</a:t>
-            </a:r>
-          </a:p>
-          <a:p>
-            <a:r>
-              <a:rPr lang="en-US" sz="1600" dirty="0" smtClean="0"/>
-              <a:t>Then mean = n * p = # of expected successes..</a:t>
-            </a:r>
-            <a:endParaRPr lang="en-US" sz="1600" dirty="0"/>
-          </a:p>
-        </p:txBody>
-      </p:sp>
       <p:pic>
         <p:nvPicPr>
-          <p:cNvPr id="26627" name="Picture 3"/>
+          <p:cNvPr id="29698" name="Picture 2"/>
           <p:cNvPicPr>
             <a:picLocks noChangeAspect="1" noChangeArrowheads="1"/>
           </p:cNvPicPr>
@@ -11638,8 +11279,8 @@
         </p:blipFill>
         <p:spPr bwMode="auto">
           <a:xfrm>
-            <a:off x="1523999" y="685800"/>
-            <a:ext cx="7032985" cy="6125248"/>
+            <a:off x="1905000" y="838200"/>
+            <a:ext cx="5486400" cy="5503762"/>
           </a:xfrm>
           <a:prstGeom prst="rect">
             <a:avLst/>
@@ -11653,6 +11294,233 @@
           </a:ln>
         </p:spPr>
       </p:pic>
+      <p:cxnSp>
+        <p:nvCxnSpPr>
+          <p:cNvPr id="6" name="Straight Arrow Connector 5"/>
+          <p:cNvCxnSpPr/>
+          <p:nvPr/>
+        </p:nvCxnSpPr>
+        <p:spPr>
+          <a:xfrm>
+            <a:off x="838200" y="1828800"/>
+            <a:ext cx="914400" cy="0"/>
+          </a:xfrm>
+          <a:prstGeom prst="straightConnector1">
+            <a:avLst/>
+          </a:prstGeom>
+          <a:ln>
+            <a:tailEnd type="arrow"/>
+          </a:ln>
+        </p:spPr>
+        <p:style>
+          <a:lnRef idx="1">
+            <a:schemeClr val="accent1"/>
+          </a:lnRef>
+          <a:fillRef idx="0">
+            <a:schemeClr val="accent1"/>
+          </a:fillRef>
+          <a:effectRef idx="0">
+            <a:schemeClr val="accent1"/>
+          </a:effectRef>
+          <a:fontRef idx="minor">
+            <a:schemeClr val="tx1"/>
+          </a:fontRef>
+        </p:style>
+      </p:cxnSp>
+      <p:sp>
+        <p:nvSpPr>
+          <p:cNvPr id="7" name="TextBox 6"/>
+          <p:cNvSpPr txBox="1"/>
+          <p:nvPr/>
+        </p:nvSpPr>
+        <p:spPr>
+          <a:xfrm>
+            <a:off x="228600" y="732472"/>
+            <a:ext cx="1482329" cy="1477328"/>
+          </a:xfrm>
+          <a:prstGeom prst="rect">
+            <a:avLst/>
+          </a:prstGeom>
+          <a:noFill/>
+        </p:spPr>
+        <p:txBody>
+          <a:bodyPr wrap="none" rtlCol="0">
+            <a:spAutoFit/>
+          </a:bodyPr>
+          <a:lstStyle/>
+          <a:p>
+            <a:r>
+              <a:rPr lang="en-US" dirty="0" smtClean="0"/>
+              <a:t>Our analytical</a:t>
+            </a:r>
+          </a:p>
+          <a:p>
+            <a:r>
+              <a:rPr lang="en-US" dirty="0" smtClean="0"/>
+              <a:t>calculation of</a:t>
+            </a:r>
+          </a:p>
+          <a:p>
+            <a:r>
+              <a:rPr lang="en-US" dirty="0" smtClean="0"/>
+              <a:t>the mean is</a:t>
+            </a:r>
+          </a:p>
+          <a:p>
+            <a:r>
+              <a:rPr lang="en-US" dirty="0" smtClean="0"/>
+              <a:t>correct</a:t>
+            </a:r>
+          </a:p>
+          <a:p>
+            <a:endParaRPr lang="en-US" dirty="0"/>
+          </a:p>
+        </p:txBody>
+      </p:sp>
+      <p:cxnSp>
+        <p:nvCxnSpPr>
+          <p:cNvPr id="9" name="Straight Arrow Connector 8"/>
+          <p:cNvCxnSpPr/>
+          <p:nvPr/>
+        </p:nvCxnSpPr>
+        <p:spPr>
+          <a:xfrm>
+            <a:off x="6096000" y="838200"/>
+            <a:ext cx="152400" cy="533400"/>
+          </a:xfrm>
+          <a:prstGeom prst="straightConnector1">
+            <a:avLst/>
+          </a:prstGeom>
+          <a:ln>
+            <a:tailEnd type="arrow"/>
+          </a:ln>
+        </p:spPr>
+        <p:style>
+          <a:lnRef idx="1">
+            <a:schemeClr val="accent1"/>
+          </a:lnRef>
+          <a:fillRef idx="0">
+            <a:schemeClr val="accent1"/>
+          </a:fillRef>
+          <a:effectRef idx="0">
+            <a:schemeClr val="accent1"/>
+          </a:effectRef>
+          <a:fontRef idx="minor">
+            <a:schemeClr val="tx1"/>
+          </a:fontRef>
+        </p:style>
+      </p:cxnSp>
+      <p:sp>
+        <p:nvSpPr>
+          <p:cNvPr id="10" name="TextBox 9"/>
+          <p:cNvSpPr txBox="1"/>
+          <p:nvPr/>
+        </p:nvSpPr>
+        <p:spPr>
+          <a:xfrm>
+            <a:off x="5257800" y="533400"/>
+            <a:ext cx="3406510" cy="369332"/>
+          </a:xfrm>
+          <a:prstGeom prst="rect">
+            <a:avLst/>
+          </a:prstGeom>
+          <a:noFill/>
+        </p:spPr>
+        <p:txBody>
+          <a:bodyPr wrap="none" rtlCol="0">
+            <a:spAutoFit/>
+          </a:bodyPr>
+          <a:lstStyle/>
+          <a:p>
+            <a:r>
+              <a:rPr lang="en-US" dirty="0" smtClean="0"/>
+              <a:t>The mean does equal the variance</a:t>
+            </a:r>
+            <a:endParaRPr lang="en-US" dirty="0"/>
+          </a:p>
+        </p:txBody>
+      </p:sp>
+      <p:cxnSp>
+        <p:nvCxnSpPr>
+          <p:cNvPr id="12" name="Straight Arrow Connector 11"/>
+          <p:cNvCxnSpPr/>
+          <p:nvPr/>
+        </p:nvCxnSpPr>
+        <p:spPr>
+          <a:xfrm flipV="1">
+            <a:off x="1752600" y="5486400"/>
+            <a:ext cx="838200" cy="152400"/>
+          </a:xfrm>
+          <a:prstGeom prst="straightConnector1">
+            <a:avLst/>
+          </a:prstGeom>
+          <a:ln>
+            <a:tailEnd type="arrow"/>
+          </a:ln>
+        </p:spPr>
+        <p:style>
+          <a:lnRef idx="1">
+            <a:schemeClr val="accent1"/>
+          </a:lnRef>
+          <a:fillRef idx="0">
+            <a:schemeClr val="accent1"/>
+          </a:fillRef>
+          <a:effectRef idx="0">
+            <a:schemeClr val="accent1"/>
+          </a:effectRef>
+          <a:fontRef idx="minor">
+            <a:schemeClr val="tx1"/>
+          </a:fontRef>
+        </p:style>
+      </p:cxnSp>
+      <p:sp>
+        <p:nvSpPr>
+          <p:cNvPr id="13" name="TextBox 12"/>
+          <p:cNvSpPr txBox="1"/>
+          <p:nvPr/>
+        </p:nvSpPr>
+        <p:spPr>
+          <a:xfrm>
+            <a:off x="457200" y="5505271"/>
+            <a:ext cx="2645340" cy="1200329"/>
+          </a:xfrm>
+          <a:prstGeom prst="rect">
+            <a:avLst/>
+          </a:prstGeom>
+          <a:noFill/>
+        </p:spPr>
+        <p:txBody>
+          <a:bodyPr wrap="none" rtlCol="0">
+            <a:spAutoFit/>
+          </a:bodyPr>
+          <a:lstStyle/>
+          <a:p>
+            <a:r>
+              <a:rPr lang="en-US" dirty="0" smtClean="0"/>
+              <a:t>The p-values</a:t>
+            </a:r>
+          </a:p>
+          <a:p>
+            <a:r>
+              <a:rPr lang="en-US" dirty="0" smtClean="0"/>
+              <a:t>Generated by</a:t>
+            </a:r>
+          </a:p>
+          <a:p>
+            <a:r>
+              <a:rPr lang="en-US" dirty="0" smtClean="0"/>
+              <a:t>the Poisson test</a:t>
+            </a:r>
+          </a:p>
+          <a:p>
+            <a:r>
+              <a:rPr lang="en-US" dirty="0" smtClean="0"/>
+              <a:t>are uniform for a true null</a:t>
+            </a:r>
+            <a:endParaRPr lang="en-US" dirty="0"/>
+          </a:p>
+        </p:txBody>
+      </p:sp>
     </p:spTree>
   </p:cSld>
   <p:clrMapOvr>
@@ -11678,47 +11546,9 @@
           <a:chExt cx="0" cy="0"/>
         </a:xfrm>
       </p:grpSpPr>
-      <p:sp>
-        <p:nvSpPr>
-          <p:cNvPr id="4" name="TextBox 3"/>
-          <p:cNvSpPr txBox="1"/>
-          <p:nvPr/>
-        </p:nvSpPr>
-        <p:spPr>
-          <a:xfrm>
-            <a:off x="457200" y="228600"/>
-            <a:ext cx="5184946" cy="369332"/>
-          </a:xfrm>
-          <a:prstGeom prst="rect">
-            <a:avLst/>
-          </a:prstGeom>
-          <a:noFill/>
-        </p:spPr>
-        <p:txBody>
-          <a:bodyPr wrap="none" rtlCol="0">
-            <a:spAutoFit/>
-          </a:bodyPr>
-          <a:lstStyle/>
-          <a:p>
-            <a:r>
-              <a:rPr lang="en-US" dirty="0" smtClean="0"/>
-              <a:t>This simulation code is up at the </a:t>
-            </a:r>
-            <a:r>
-              <a:rPr lang="en-US" smtClean="0"/>
-              <a:t>(old) class </a:t>
-            </a:r>
-            <a:r>
-              <a:rPr lang="en-US" dirty="0" smtClean="0"/>
-              <a:t>web site…</a:t>
-            </a:r>
-            <a:endParaRPr lang="en-US" dirty="0"/>
-          </a:p>
-        </p:txBody>
-      </p:sp>
       <p:pic>
         <p:nvPicPr>
-          <p:cNvPr id="32770" name="Picture 2"/>
+          <p:cNvPr id="27650" name="Picture 2"/>
           <p:cNvPicPr>
             <a:picLocks noChangeAspect="1" noChangeArrowheads="1"/>
           </p:cNvPicPr>
@@ -11733,8 +11563,8 @@
         </p:blipFill>
         <p:spPr bwMode="auto">
           <a:xfrm>
-            <a:off x="762000" y="685800"/>
-            <a:ext cx="7196137" cy="5849704"/>
+            <a:off x="762000" y="2971800"/>
+            <a:ext cx="5734050" cy="2590800"/>
           </a:xfrm>
           <a:prstGeom prst="rect">
             <a:avLst/>
@@ -11748,16 +11578,113 @@
           </a:ln>
         </p:spPr>
       </p:pic>
+      <p:pic>
+        <p:nvPicPr>
+          <p:cNvPr id="27651" name="Picture 3"/>
+          <p:cNvPicPr>
+            <a:picLocks noChangeAspect="1" noChangeArrowheads="1"/>
+          </p:cNvPicPr>
+          <p:nvPr/>
+        </p:nvPicPr>
+        <p:blipFill>
+          <a:blip r:embed="rId4" cstate="print"/>
+          <a:srcRect/>
+          <a:stretch>
+            <a:fillRect/>
+          </a:stretch>
+        </p:blipFill>
+        <p:spPr bwMode="auto">
+          <a:xfrm>
+            <a:off x="457200" y="609600"/>
+            <a:ext cx="5676900" cy="2228850"/>
+          </a:xfrm>
+          <a:prstGeom prst="rect">
+            <a:avLst/>
+          </a:prstGeom>
+          <a:noFill/>
+          <a:ln w="9525">
+            <a:noFill/>
+            <a:miter lim="800000"/>
+            <a:headEnd/>
+            <a:tailEnd/>
+          </a:ln>
+        </p:spPr>
+      </p:pic>
+      <p:sp>
+        <p:nvSpPr>
+          <p:cNvPr id="7" name="TextBox 6"/>
+          <p:cNvSpPr txBox="1"/>
+          <p:nvPr/>
+        </p:nvSpPr>
+        <p:spPr>
+          <a:xfrm>
+            <a:off x="533400" y="76200"/>
+            <a:ext cx="5537478" cy="369332"/>
+          </a:xfrm>
+          <a:prstGeom prst="rect">
+            <a:avLst/>
+          </a:prstGeom>
+          <a:noFill/>
+        </p:spPr>
+        <p:txBody>
+          <a:bodyPr wrap="none" rtlCol="0">
+            <a:spAutoFit/>
+          </a:bodyPr>
+          <a:lstStyle/>
+          <a:p>
+            <a:r>
+              <a:rPr lang="en-US" dirty="0" smtClean="0"/>
+              <a:t>We see this exact Poisson test in use (for example) here…</a:t>
+            </a:r>
+          </a:p>
+        </p:txBody>
+      </p:sp>
+      <p:sp>
+        <p:nvSpPr>
+          <p:cNvPr id="8" name="TextBox 7"/>
+          <p:cNvSpPr txBox="1"/>
+          <p:nvPr/>
+        </p:nvSpPr>
+        <p:spPr>
+          <a:xfrm>
+            <a:off x="152400" y="5638800"/>
+            <a:ext cx="7010400" cy="923330"/>
+          </a:xfrm>
+          <a:prstGeom prst="rect">
+            <a:avLst/>
+          </a:prstGeom>
+          <a:noFill/>
+        </p:spPr>
+        <p:txBody>
+          <a:bodyPr wrap="square" rtlCol="0">
+            <a:spAutoFit/>
+          </a:bodyPr>
+          <a:lstStyle/>
+          <a:p>
+            <a:r>
+              <a:rPr lang="en-US" dirty="0" smtClean="0"/>
+              <a:t>Set a p the background frequency observed in one lane.</a:t>
+            </a:r>
+          </a:p>
+          <a:p>
+            <a:r>
+              <a:rPr lang="en-US" dirty="0" smtClean="0"/>
+              <a:t>What are the odds that you will see as many reads in the other lane if the real value was p?</a:t>
+            </a:r>
+            <a:endParaRPr lang="en-US" dirty="0"/>
+          </a:p>
+        </p:txBody>
+      </p:sp>
       <p:cxnSp>
         <p:nvCxnSpPr>
-          <p:cNvPr id="7" name="Straight Arrow Connector 6"/>
+          <p:cNvPr id="10" name="Straight Arrow Connector 9"/>
           <p:cNvCxnSpPr/>
           <p:nvPr/>
         </p:nvCxnSpPr>
         <p:spPr>
-          <a:xfrm flipV="1">
-            <a:off x="533400" y="6172200"/>
-            <a:ext cx="457200" cy="381000"/>
+          <a:xfrm flipH="1">
+            <a:off x="6324600" y="4648200"/>
+            <a:ext cx="457200" cy="304800"/>
           </a:xfrm>
           <a:prstGeom prst="straightConnector1">
             <a:avLst/>
@@ -11783,29 +11710,72 @@
       </p:cxnSp>
       <p:sp>
         <p:nvSpPr>
-          <p:cNvPr id="5" name="Rectangle 4"/>
-          <p:cNvSpPr/>
+          <p:cNvPr id="11" name="TextBox 10"/>
+          <p:cNvSpPr txBox="1"/>
           <p:nvPr/>
         </p:nvSpPr>
         <p:spPr>
           <a:xfrm>
-            <a:off x="1219200" y="6324600"/>
-            <a:ext cx="7162800" cy="369332"/>
+            <a:off x="6705600" y="3581400"/>
+            <a:ext cx="2384948" cy="2308324"/>
           </a:xfrm>
           <a:prstGeom prst="rect">
             <a:avLst/>
           </a:prstGeom>
-        </p:spPr>
-        <p:txBody>
-          <a:bodyPr wrap="square">
+          <a:noFill/>
+        </p:spPr>
+        <p:txBody>
+          <a:bodyPr wrap="none" rtlCol="0">
             <a:spAutoFit/>
           </a:bodyPr>
           <a:lstStyle/>
           <a:p>
             <a:r>
               <a:rPr lang="en-US" dirty="0" smtClean="0"/>
-              <a:t>http://bigscience.uncc.edu/fodorstatistics2013/PoissonSim.txt/view</a:t>
-            </a:r>
+              <a:t>This is just like the </a:t>
+            </a:r>
+          </a:p>
+          <a:p>
+            <a:r>
+              <a:rPr lang="en-US" dirty="0" smtClean="0"/>
+              <a:t>Fisher test with no</a:t>
+            </a:r>
+          </a:p>
+          <a:p>
+            <a:r>
+              <a:rPr lang="en-US" dirty="0" smtClean="0"/>
+              <a:t>replacement.</a:t>
+            </a:r>
+          </a:p>
+          <a:p>
+            <a:r>
+              <a:rPr lang="en-US" dirty="0" smtClean="0"/>
+              <a:t>(Won’t matter at the</a:t>
+            </a:r>
+          </a:p>
+          <a:p>
+            <a:r>
+              <a:rPr lang="en-US" dirty="0" smtClean="0"/>
+              <a:t>large sample size of the</a:t>
+            </a:r>
+          </a:p>
+          <a:p>
+            <a:r>
+              <a:rPr lang="en-US" dirty="0" smtClean="0"/>
+              <a:t># of reads in a typical</a:t>
+            </a:r>
+          </a:p>
+          <a:p>
+            <a:r>
+              <a:rPr lang="en-US" dirty="0" err="1" smtClean="0"/>
+              <a:t>rna</a:t>
+            </a:r>
+            <a:r>
+              <a:rPr lang="en-US" dirty="0" smtClean="0"/>
+              <a:t>-seq experiment)</a:t>
+            </a:r>
+          </a:p>
+          <a:p>
             <a:endParaRPr lang="en-US" dirty="0"/>
           </a:p>
         </p:txBody>
@@ -11837,7 +11807,7 @@
       </p:grpSpPr>
       <p:pic>
         <p:nvPicPr>
-          <p:cNvPr id="29698" name="Picture 2"/>
+          <p:cNvPr id="30722" name="Picture 2"/>
           <p:cNvPicPr>
             <a:picLocks noChangeAspect="1" noChangeArrowheads="1"/>
           </p:cNvPicPr>
@@ -11852,8 +11822,8 @@
         </p:blipFill>
         <p:spPr bwMode="auto">
           <a:xfrm>
-            <a:off x="1905000" y="838200"/>
-            <a:ext cx="5486400" cy="5503762"/>
+            <a:off x="1714500" y="152400"/>
+            <a:ext cx="2914650" cy="2571750"/>
           </a:xfrm>
           <a:prstGeom prst="rect">
             <a:avLst/>
@@ -11867,16 +11837,190 @@
           </a:ln>
         </p:spPr>
       </p:pic>
+      <p:sp>
+        <p:nvSpPr>
+          <p:cNvPr id="5" name="TextBox 4"/>
+          <p:cNvSpPr txBox="1"/>
+          <p:nvPr/>
+        </p:nvSpPr>
+        <p:spPr>
+          <a:xfrm>
+            <a:off x="2400300" y="-64532"/>
+            <a:ext cx="5912196" cy="369332"/>
+          </a:xfrm>
+          <a:prstGeom prst="rect">
+            <a:avLst/>
+          </a:prstGeom>
+          <a:noFill/>
+        </p:spPr>
+        <p:txBody>
+          <a:bodyPr wrap="none" rtlCol="0">
+            <a:spAutoFit/>
+          </a:bodyPr>
+          <a:lstStyle/>
+          <a:p>
+            <a:r>
+              <a:rPr lang="en-US" dirty="0" smtClean="0"/>
+              <a:t>However, when we compare our simulated data to real data…</a:t>
+            </a:r>
+            <a:endParaRPr lang="en-US" dirty="0"/>
+          </a:p>
+        </p:txBody>
+      </p:sp>
+      <p:pic>
+        <p:nvPicPr>
+          <p:cNvPr id="30723" name="Picture 3"/>
+          <p:cNvPicPr>
+            <a:picLocks noChangeAspect="1" noChangeArrowheads="1"/>
+          </p:cNvPicPr>
+          <p:nvPr/>
+        </p:nvPicPr>
+        <p:blipFill>
+          <a:blip r:embed="rId4" cstate="print"/>
+          <a:srcRect/>
+          <a:stretch>
+            <a:fillRect/>
+          </a:stretch>
+        </p:blipFill>
+        <p:spPr bwMode="auto">
+          <a:xfrm>
+            <a:off x="2247900" y="2314575"/>
+            <a:ext cx="6972300" cy="2867025"/>
+          </a:xfrm>
+          <a:prstGeom prst="rect">
+            <a:avLst/>
+          </a:prstGeom>
+          <a:noFill/>
+          <a:ln w="9525">
+            <a:noFill/>
+            <a:miter lim="800000"/>
+            <a:headEnd/>
+            <a:tailEnd/>
+          </a:ln>
+        </p:spPr>
+      </p:pic>
+      <p:pic>
+        <p:nvPicPr>
+          <p:cNvPr id="30724" name="Picture 4"/>
+          <p:cNvPicPr>
+            <a:picLocks noChangeAspect="1" noChangeArrowheads="1"/>
+          </p:cNvPicPr>
+          <p:nvPr/>
+        </p:nvPicPr>
+        <p:blipFill>
+          <a:blip r:embed="rId5" cstate="print"/>
+          <a:srcRect/>
+          <a:stretch>
+            <a:fillRect/>
+          </a:stretch>
+        </p:blipFill>
+        <p:spPr bwMode="auto">
+          <a:xfrm>
+            <a:off x="1943100" y="5246784"/>
+            <a:ext cx="6324600" cy="1535016"/>
+          </a:xfrm>
+          <a:prstGeom prst="rect">
+            <a:avLst/>
+          </a:prstGeom>
+          <a:noFill/>
+          <a:ln w="9525">
+            <a:noFill/>
+            <a:miter lim="800000"/>
+            <a:headEnd/>
+            <a:tailEnd/>
+          </a:ln>
+        </p:spPr>
+      </p:pic>
+      <p:pic>
+        <p:nvPicPr>
+          <p:cNvPr id="30725" name="Picture 5"/>
+          <p:cNvPicPr>
+            <a:picLocks noChangeAspect="1" noChangeArrowheads="1"/>
+          </p:cNvPicPr>
+          <p:nvPr/>
+        </p:nvPicPr>
+        <p:blipFill>
+          <a:blip r:embed="rId6" cstate="print"/>
+          <a:srcRect/>
+          <a:stretch>
+            <a:fillRect/>
+          </a:stretch>
+        </p:blipFill>
+        <p:spPr bwMode="auto">
+          <a:xfrm>
+            <a:off x="5372100" y="304800"/>
+            <a:ext cx="3200400" cy="2138961"/>
+          </a:xfrm>
+          <a:prstGeom prst="rect">
+            <a:avLst/>
+          </a:prstGeom>
+          <a:noFill/>
+          <a:ln w="9525">
+            <a:noFill/>
+            <a:miter lim="800000"/>
+            <a:headEnd/>
+            <a:tailEnd/>
+          </a:ln>
+        </p:spPr>
+      </p:pic>
+      <p:sp>
+        <p:nvSpPr>
+          <p:cNvPr id="9" name="TextBox 8"/>
+          <p:cNvSpPr txBox="1"/>
+          <p:nvPr/>
+        </p:nvSpPr>
+        <p:spPr>
+          <a:xfrm>
+            <a:off x="76200" y="2743200"/>
+            <a:ext cx="2293769" cy="1200329"/>
+          </a:xfrm>
+          <a:prstGeom prst="rect">
+            <a:avLst/>
+          </a:prstGeom>
+          <a:noFill/>
+        </p:spPr>
+        <p:txBody>
+          <a:bodyPr wrap="none" rtlCol="0">
+            <a:spAutoFit/>
+          </a:bodyPr>
+          <a:lstStyle/>
+          <a:p>
+            <a:r>
+              <a:rPr lang="en-US" dirty="0" smtClean="0"/>
+              <a:t>The mean-variance</a:t>
+            </a:r>
+          </a:p>
+          <a:p>
+            <a:r>
+              <a:rPr lang="en-US" dirty="0" smtClean="0"/>
+              <a:t>relationship predicted</a:t>
+            </a:r>
+          </a:p>
+          <a:p>
+            <a:r>
+              <a:rPr lang="en-US" dirty="0" smtClean="0"/>
+              <a:t>by the Poisson does</a:t>
+            </a:r>
+          </a:p>
+          <a:p>
+            <a:r>
+              <a:rPr lang="en-US" dirty="0" smtClean="0"/>
+              <a:t>not hold!</a:t>
+            </a:r>
+            <a:endParaRPr lang="en-US" dirty="0"/>
+          </a:p>
+        </p:txBody>
+      </p:sp>
       <p:cxnSp>
         <p:nvCxnSpPr>
-          <p:cNvPr id="6" name="Straight Arrow Connector 5"/>
+          <p:cNvPr id="11" name="Straight Arrow Connector 10"/>
           <p:cNvCxnSpPr/>
           <p:nvPr/>
         </p:nvCxnSpPr>
         <p:spPr>
-          <a:xfrm>
-            <a:off x="838200" y="1828800"/>
-            <a:ext cx="914400" cy="0"/>
+          <a:xfrm flipV="1">
+            <a:off x="1371600" y="5334000"/>
+            <a:ext cx="609600" cy="152400"/>
           </a:xfrm>
           <a:prstGeom prst="straightConnector1">
             <a:avLst/>
@@ -11902,14 +12046,14 @@
       </p:cxnSp>
       <p:sp>
         <p:nvSpPr>
-          <p:cNvPr id="7" name="TextBox 6"/>
+          <p:cNvPr id="12" name="TextBox 11"/>
           <p:cNvSpPr txBox="1"/>
           <p:nvPr/>
         </p:nvSpPr>
         <p:spPr>
           <a:xfrm>
-            <a:off x="228600" y="732472"/>
-            <a:ext cx="1482329" cy="1477328"/>
+            <a:off x="76200" y="4953000"/>
+            <a:ext cx="2236510" cy="369332"/>
           </a:xfrm>
           <a:prstGeom prst="rect">
             <a:avLst/>
@@ -11924,171 +12068,7 @@
           <a:p>
             <a:r>
               <a:rPr lang="en-US" dirty="0" smtClean="0"/>
-              <a:t>Our analytical</a:t>
-            </a:r>
-          </a:p>
-          <a:p>
-            <a:r>
-              <a:rPr lang="en-US" dirty="0" smtClean="0"/>
-              <a:t>calculation of</a:t>
-            </a:r>
-          </a:p>
-          <a:p>
-            <a:r>
-              <a:rPr lang="en-US" dirty="0" smtClean="0"/>
-              <a:t>the mean is</a:t>
-            </a:r>
-          </a:p>
-          <a:p>
-            <a:r>
-              <a:rPr lang="en-US" dirty="0" smtClean="0"/>
-              <a:t>correct</a:t>
-            </a:r>
-          </a:p>
-          <a:p>
-            <a:endParaRPr lang="en-US" dirty="0"/>
-          </a:p>
-        </p:txBody>
-      </p:sp>
-      <p:cxnSp>
-        <p:nvCxnSpPr>
-          <p:cNvPr id="9" name="Straight Arrow Connector 8"/>
-          <p:cNvCxnSpPr/>
-          <p:nvPr/>
-        </p:nvCxnSpPr>
-        <p:spPr>
-          <a:xfrm>
-            <a:off x="6096000" y="838200"/>
-            <a:ext cx="152400" cy="533400"/>
-          </a:xfrm>
-          <a:prstGeom prst="straightConnector1">
-            <a:avLst/>
-          </a:prstGeom>
-          <a:ln>
-            <a:tailEnd type="arrow"/>
-          </a:ln>
-        </p:spPr>
-        <p:style>
-          <a:lnRef idx="1">
-            <a:schemeClr val="accent1"/>
-          </a:lnRef>
-          <a:fillRef idx="0">
-            <a:schemeClr val="accent1"/>
-          </a:fillRef>
-          <a:effectRef idx="0">
-            <a:schemeClr val="accent1"/>
-          </a:effectRef>
-          <a:fontRef idx="minor">
-            <a:schemeClr val="tx1"/>
-          </a:fontRef>
-        </p:style>
-      </p:cxnSp>
-      <p:sp>
-        <p:nvSpPr>
-          <p:cNvPr id="10" name="TextBox 9"/>
-          <p:cNvSpPr txBox="1"/>
-          <p:nvPr/>
-        </p:nvSpPr>
-        <p:spPr>
-          <a:xfrm>
-            <a:off x="5257800" y="533400"/>
-            <a:ext cx="3406510" cy="369332"/>
-          </a:xfrm>
-          <a:prstGeom prst="rect">
-            <a:avLst/>
-          </a:prstGeom>
-          <a:noFill/>
-        </p:spPr>
-        <p:txBody>
-          <a:bodyPr wrap="none" rtlCol="0">
-            <a:spAutoFit/>
-          </a:bodyPr>
-          <a:lstStyle/>
-          <a:p>
-            <a:r>
-              <a:rPr lang="en-US" dirty="0" smtClean="0"/>
-              <a:t>The mean does equal the variance</a:t>
-            </a:r>
-            <a:endParaRPr lang="en-US" dirty="0"/>
-          </a:p>
-        </p:txBody>
-      </p:sp>
-      <p:cxnSp>
-        <p:nvCxnSpPr>
-          <p:cNvPr id="12" name="Straight Arrow Connector 11"/>
-          <p:cNvCxnSpPr/>
-          <p:nvPr/>
-        </p:nvCxnSpPr>
-        <p:spPr>
-          <a:xfrm flipV="1">
-            <a:off x="1752600" y="5486400"/>
-            <a:ext cx="838200" cy="152400"/>
-          </a:xfrm>
-          <a:prstGeom prst="straightConnector1">
-            <a:avLst/>
-          </a:prstGeom>
-          <a:ln>
-            <a:tailEnd type="arrow"/>
-          </a:ln>
-        </p:spPr>
-        <p:style>
-          <a:lnRef idx="1">
-            <a:schemeClr val="accent1"/>
-          </a:lnRef>
-          <a:fillRef idx="0">
-            <a:schemeClr val="accent1"/>
-          </a:fillRef>
-          <a:effectRef idx="0">
-            <a:schemeClr val="accent1"/>
-          </a:effectRef>
-          <a:fontRef idx="minor">
-            <a:schemeClr val="tx1"/>
-          </a:fontRef>
-        </p:style>
-      </p:cxnSp>
-      <p:sp>
-        <p:nvSpPr>
-          <p:cNvPr id="13" name="TextBox 12"/>
-          <p:cNvSpPr txBox="1"/>
-          <p:nvPr/>
-        </p:nvSpPr>
-        <p:spPr>
-          <a:xfrm>
-            <a:off x="457200" y="5505271"/>
-            <a:ext cx="2645340" cy="1200329"/>
-          </a:xfrm>
-          <a:prstGeom prst="rect">
-            <a:avLst/>
-          </a:prstGeom>
-          <a:noFill/>
-        </p:spPr>
-        <p:txBody>
-          <a:bodyPr wrap="none" rtlCol="0">
-            <a:spAutoFit/>
-          </a:bodyPr>
-          <a:lstStyle/>
-          <a:p>
-            <a:r>
-              <a:rPr lang="en-US" dirty="0" smtClean="0"/>
-              <a:t>The p-values</a:t>
-            </a:r>
-          </a:p>
-          <a:p>
-            <a:r>
-              <a:rPr lang="en-US" dirty="0" smtClean="0"/>
-              <a:t>Generated by</a:t>
-            </a:r>
-          </a:p>
-          <a:p>
-            <a:r>
-              <a:rPr lang="en-US" dirty="0" smtClean="0"/>
-              <a:t>the Poisson test</a:t>
-            </a:r>
-          </a:p>
-          <a:p>
-            <a:r>
-              <a:rPr lang="en-US" dirty="0" smtClean="0"/>
-              <a:t>are uniform for a true null</a:t>
+              <a:t>Lack of independence</a:t>
             </a:r>
             <a:endParaRPr lang="en-US" dirty="0"/>
           </a:p>
@@ -12103,559 +12083,6 @@
 </file>
 
 <file path=ppt/slides/slide37.xml><?xml version="1.0" encoding="utf-8"?>
-<p:sld xmlns:a="http://schemas.openxmlformats.org/drawingml/2006/main" xmlns:r="http://schemas.openxmlformats.org/officeDocument/2006/relationships" xmlns:p="http://schemas.openxmlformats.org/presentationml/2006/main">
-  <p:cSld>
-    <p:spTree>
-      <p:nvGrpSpPr>
-        <p:cNvPr id="1" name=""/>
-        <p:cNvGrpSpPr/>
-        <p:nvPr/>
-      </p:nvGrpSpPr>
-      <p:grpSpPr>
-        <a:xfrm>
-          <a:off x="0" y="0"/>
-          <a:ext cx="0" cy="0"/>
-          <a:chOff x="0" y="0"/>
-          <a:chExt cx="0" cy="0"/>
-        </a:xfrm>
-      </p:grpSpPr>
-      <p:pic>
-        <p:nvPicPr>
-          <p:cNvPr id="27650" name="Picture 2"/>
-          <p:cNvPicPr>
-            <a:picLocks noChangeAspect="1" noChangeArrowheads="1"/>
-          </p:cNvPicPr>
-          <p:nvPr/>
-        </p:nvPicPr>
-        <p:blipFill>
-          <a:blip r:embed="rId3" cstate="print"/>
-          <a:srcRect/>
-          <a:stretch>
-            <a:fillRect/>
-          </a:stretch>
-        </p:blipFill>
-        <p:spPr bwMode="auto">
-          <a:xfrm>
-            <a:off x="762000" y="2971800"/>
-            <a:ext cx="5734050" cy="2590800"/>
-          </a:xfrm>
-          <a:prstGeom prst="rect">
-            <a:avLst/>
-          </a:prstGeom>
-          <a:noFill/>
-          <a:ln w="9525">
-            <a:noFill/>
-            <a:miter lim="800000"/>
-            <a:headEnd/>
-            <a:tailEnd/>
-          </a:ln>
-        </p:spPr>
-      </p:pic>
-      <p:pic>
-        <p:nvPicPr>
-          <p:cNvPr id="27651" name="Picture 3"/>
-          <p:cNvPicPr>
-            <a:picLocks noChangeAspect="1" noChangeArrowheads="1"/>
-          </p:cNvPicPr>
-          <p:nvPr/>
-        </p:nvPicPr>
-        <p:blipFill>
-          <a:blip r:embed="rId4" cstate="print"/>
-          <a:srcRect/>
-          <a:stretch>
-            <a:fillRect/>
-          </a:stretch>
-        </p:blipFill>
-        <p:spPr bwMode="auto">
-          <a:xfrm>
-            <a:off x="457200" y="609600"/>
-            <a:ext cx="5676900" cy="2228850"/>
-          </a:xfrm>
-          <a:prstGeom prst="rect">
-            <a:avLst/>
-          </a:prstGeom>
-          <a:noFill/>
-          <a:ln w="9525">
-            <a:noFill/>
-            <a:miter lim="800000"/>
-            <a:headEnd/>
-            <a:tailEnd/>
-          </a:ln>
-        </p:spPr>
-      </p:pic>
-      <p:sp>
-        <p:nvSpPr>
-          <p:cNvPr id="7" name="TextBox 6"/>
-          <p:cNvSpPr txBox="1"/>
-          <p:nvPr/>
-        </p:nvSpPr>
-        <p:spPr>
-          <a:xfrm>
-            <a:off x="533400" y="76200"/>
-            <a:ext cx="5537478" cy="369332"/>
-          </a:xfrm>
-          <a:prstGeom prst="rect">
-            <a:avLst/>
-          </a:prstGeom>
-          <a:noFill/>
-        </p:spPr>
-        <p:txBody>
-          <a:bodyPr wrap="none" rtlCol="0">
-            <a:spAutoFit/>
-          </a:bodyPr>
-          <a:lstStyle/>
-          <a:p>
-            <a:r>
-              <a:rPr lang="en-US" dirty="0" smtClean="0"/>
-              <a:t>We see this exact Poisson test in use (for example) here…</a:t>
-            </a:r>
-          </a:p>
-        </p:txBody>
-      </p:sp>
-      <p:sp>
-        <p:nvSpPr>
-          <p:cNvPr id="8" name="TextBox 7"/>
-          <p:cNvSpPr txBox="1"/>
-          <p:nvPr/>
-        </p:nvSpPr>
-        <p:spPr>
-          <a:xfrm>
-            <a:off x="152400" y="5638800"/>
-            <a:ext cx="7010400" cy="923330"/>
-          </a:xfrm>
-          <a:prstGeom prst="rect">
-            <a:avLst/>
-          </a:prstGeom>
-          <a:noFill/>
-        </p:spPr>
-        <p:txBody>
-          <a:bodyPr wrap="square" rtlCol="0">
-            <a:spAutoFit/>
-          </a:bodyPr>
-          <a:lstStyle/>
-          <a:p>
-            <a:r>
-              <a:rPr lang="en-US" dirty="0" smtClean="0"/>
-              <a:t>Set a p the background frequency observed in one lane.</a:t>
-            </a:r>
-          </a:p>
-          <a:p>
-            <a:r>
-              <a:rPr lang="en-US" dirty="0" smtClean="0"/>
-              <a:t>What are the odds that you will see as many reads in the other lane if the real value was p?</a:t>
-            </a:r>
-            <a:endParaRPr lang="en-US" dirty="0"/>
-          </a:p>
-        </p:txBody>
-      </p:sp>
-      <p:cxnSp>
-        <p:nvCxnSpPr>
-          <p:cNvPr id="10" name="Straight Arrow Connector 9"/>
-          <p:cNvCxnSpPr/>
-          <p:nvPr/>
-        </p:nvCxnSpPr>
-        <p:spPr>
-          <a:xfrm flipH="1">
-            <a:off x="6324600" y="4648200"/>
-            <a:ext cx="457200" cy="304800"/>
-          </a:xfrm>
-          <a:prstGeom prst="straightConnector1">
-            <a:avLst/>
-          </a:prstGeom>
-          <a:ln>
-            <a:tailEnd type="arrow"/>
-          </a:ln>
-        </p:spPr>
-        <p:style>
-          <a:lnRef idx="1">
-            <a:schemeClr val="accent1"/>
-          </a:lnRef>
-          <a:fillRef idx="0">
-            <a:schemeClr val="accent1"/>
-          </a:fillRef>
-          <a:effectRef idx="0">
-            <a:schemeClr val="accent1"/>
-          </a:effectRef>
-          <a:fontRef idx="minor">
-            <a:schemeClr val="tx1"/>
-          </a:fontRef>
-        </p:style>
-      </p:cxnSp>
-      <p:sp>
-        <p:nvSpPr>
-          <p:cNvPr id="11" name="TextBox 10"/>
-          <p:cNvSpPr txBox="1"/>
-          <p:nvPr/>
-        </p:nvSpPr>
-        <p:spPr>
-          <a:xfrm>
-            <a:off x="6705600" y="3581400"/>
-            <a:ext cx="2384948" cy="2308324"/>
-          </a:xfrm>
-          <a:prstGeom prst="rect">
-            <a:avLst/>
-          </a:prstGeom>
-          <a:noFill/>
-        </p:spPr>
-        <p:txBody>
-          <a:bodyPr wrap="none" rtlCol="0">
-            <a:spAutoFit/>
-          </a:bodyPr>
-          <a:lstStyle/>
-          <a:p>
-            <a:r>
-              <a:rPr lang="en-US" dirty="0" smtClean="0"/>
-              <a:t>This is just like the </a:t>
-            </a:r>
-          </a:p>
-          <a:p>
-            <a:r>
-              <a:rPr lang="en-US" dirty="0" smtClean="0"/>
-              <a:t>Fisher test with no</a:t>
-            </a:r>
-          </a:p>
-          <a:p>
-            <a:r>
-              <a:rPr lang="en-US" dirty="0" smtClean="0"/>
-              <a:t>replacement.</a:t>
-            </a:r>
-          </a:p>
-          <a:p>
-            <a:r>
-              <a:rPr lang="en-US" dirty="0" smtClean="0"/>
-              <a:t>(Won’t matter at the</a:t>
-            </a:r>
-          </a:p>
-          <a:p>
-            <a:r>
-              <a:rPr lang="en-US" dirty="0" smtClean="0"/>
-              <a:t>large sample size of the</a:t>
-            </a:r>
-          </a:p>
-          <a:p>
-            <a:r>
-              <a:rPr lang="en-US" dirty="0" smtClean="0"/>
-              <a:t># of reads in a typical</a:t>
-            </a:r>
-          </a:p>
-          <a:p>
-            <a:r>
-              <a:rPr lang="en-US" dirty="0" err="1" smtClean="0"/>
-              <a:t>rna</a:t>
-            </a:r>
-            <a:r>
-              <a:rPr lang="en-US" dirty="0" smtClean="0"/>
-              <a:t>-seq experiment)</a:t>
-            </a:r>
-          </a:p>
-          <a:p>
-            <a:endParaRPr lang="en-US" dirty="0"/>
-          </a:p>
-        </p:txBody>
-      </p:sp>
-    </p:spTree>
-  </p:cSld>
-  <p:clrMapOvr>
-    <a:masterClrMapping/>
-  </p:clrMapOvr>
-</p:sld>
-</file>
-
-<file path=ppt/slides/slide38.xml><?xml version="1.0" encoding="utf-8"?>
-<p:sld xmlns:a="http://schemas.openxmlformats.org/drawingml/2006/main" xmlns:r="http://schemas.openxmlformats.org/officeDocument/2006/relationships" xmlns:p="http://schemas.openxmlformats.org/presentationml/2006/main">
-  <p:cSld>
-    <p:spTree>
-      <p:nvGrpSpPr>
-        <p:cNvPr id="1" name=""/>
-        <p:cNvGrpSpPr/>
-        <p:nvPr/>
-      </p:nvGrpSpPr>
-      <p:grpSpPr>
-        <a:xfrm>
-          <a:off x="0" y="0"/>
-          <a:ext cx="0" cy="0"/>
-          <a:chOff x="0" y="0"/>
-          <a:chExt cx="0" cy="0"/>
-        </a:xfrm>
-      </p:grpSpPr>
-      <p:pic>
-        <p:nvPicPr>
-          <p:cNvPr id="30722" name="Picture 2"/>
-          <p:cNvPicPr>
-            <a:picLocks noChangeAspect="1" noChangeArrowheads="1"/>
-          </p:cNvPicPr>
-          <p:nvPr/>
-        </p:nvPicPr>
-        <p:blipFill>
-          <a:blip r:embed="rId3" cstate="print"/>
-          <a:srcRect/>
-          <a:stretch>
-            <a:fillRect/>
-          </a:stretch>
-        </p:blipFill>
-        <p:spPr bwMode="auto">
-          <a:xfrm>
-            <a:off x="1714500" y="152400"/>
-            <a:ext cx="2914650" cy="2571750"/>
-          </a:xfrm>
-          <a:prstGeom prst="rect">
-            <a:avLst/>
-          </a:prstGeom>
-          <a:noFill/>
-          <a:ln w="9525">
-            <a:noFill/>
-            <a:miter lim="800000"/>
-            <a:headEnd/>
-            <a:tailEnd/>
-          </a:ln>
-        </p:spPr>
-      </p:pic>
-      <p:sp>
-        <p:nvSpPr>
-          <p:cNvPr id="5" name="TextBox 4"/>
-          <p:cNvSpPr txBox="1"/>
-          <p:nvPr/>
-        </p:nvSpPr>
-        <p:spPr>
-          <a:xfrm>
-            <a:off x="2400300" y="-64532"/>
-            <a:ext cx="5912196" cy="369332"/>
-          </a:xfrm>
-          <a:prstGeom prst="rect">
-            <a:avLst/>
-          </a:prstGeom>
-          <a:noFill/>
-        </p:spPr>
-        <p:txBody>
-          <a:bodyPr wrap="none" rtlCol="0">
-            <a:spAutoFit/>
-          </a:bodyPr>
-          <a:lstStyle/>
-          <a:p>
-            <a:r>
-              <a:rPr lang="en-US" dirty="0" smtClean="0"/>
-              <a:t>However, when we compare our simulated data to real data…</a:t>
-            </a:r>
-            <a:endParaRPr lang="en-US" dirty="0"/>
-          </a:p>
-        </p:txBody>
-      </p:sp>
-      <p:pic>
-        <p:nvPicPr>
-          <p:cNvPr id="30723" name="Picture 3"/>
-          <p:cNvPicPr>
-            <a:picLocks noChangeAspect="1" noChangeArrowheads="1"/>
-          </p:cNvPicPr>
-          <p:nvPr/>
-        </p:nvPicPr>
-        <p:blipFill>
-          <a:blip r:embed="rId4" cstate="print"/>
-          <a:srcRect/>
-          <a:stretch>
-            <a:fillRect/>
-          </a:stretch>
-        </p:blipFill>
-        <p:spPr bwMode="auto">
-          <a:xfrm>
-            <a:off x="2247900" y="2314575"/>
-            <a:ext cx="6972300" cy="2867025"/>
-          </a:xfrm>
-          <a:prstGeom prst="rect">
-            <a:avLst/>
-          </a:prstGeom>
-          <a:noFill/>
-          <a:ln w="9525">
-            <a:noFill/>
-            <a:miter lim="800000"/>
-            <a:headEnd/>
-            <a:tailEnd/>
-          </a:ln>
-        </p:spPr>
-      </p:pic>
-      <p:pic>
-        <p:nvPicPr>
-          <p:cNvPr id="30724" name="Picture 4"/>
-          <p:cNvPicPr>
-            <a:picLocks noChangeAspect="1" noChangeArrowheads="1"/>
-          </p:cNvPicPr>
-          <p:nvPr/>
-        </p:nvPicPr>
-        <p:blipFill>
-          <a:blip r:embed="rId5" cstate="print"/>
-          <a:srcRect/>
-          <a:stretch>
-            <a:fillRect/>
-          </a:stretch>
-        </p:blipFill>
-        <p:spPr bwMode="auto">
-          <a:xfrm>
-            <a:off x="1943100" y="5246784"/>
-            <a:ext cx="6324600" cy="1535016"/>
-          </a:xfrm>
-          <a:prstGeom prst="rect">
-            <a:avLst/>
-          </a:prstGeom>
-          <a:noFill/>
-          <a:ln w="9525">
-            <a:noFill/>
-            <a:miter lim="800000"/>
-            <a:headEnd/>
-            <a:tailEnd/>
-          </a:ln>
-        </p:spPr>
-      </p:pic>
-      <p:pic>
-        <p:nvPicPr>
-          <p:cNvPr id="30725" name="Picture 5"/>
-          <p:cNvPicPr>
-            <a:picLocks noChangeAspect="1" noChangeArrowheads="1"/>
-          </p:cNvPicPr>
-          <p:nvPr/>
-        </p:nvPicPr>
-        <p:blipFill>
-          <a:blip r:embed="rId6" cstate="print"/>
-          <a:srcRect/>
-          <a:stretch>
-            <a:fillRect/>
-          </a:stretch>
-        </p:blipFill>
-        <p:spPr bwMode="auto">
-          <a:xfrm>
-            <a:off x="5372100" y="304800"/>
-            <a:ext cx="3200400" cy="2138961"/>
-          </a:xfrm>
-          <a:prstGeom prst="rect">
-            <a:avLst/>
-          </a:prstGeom>
-          <a:noFill/>
-          <a:ln w="9525">
-            <a:noFill/>
-            <a:miter lim="800000"/>
-            <a:headEnd/>
-            <a:tailEnd/>
-          </a:ln>
-        </p:spPr>
-      </p:pic>
-      <p:sp>
-        <p:nvSpPr>
-          <p:cNvPr id="9" name="TextBox 8"/>
-          <p:cNvSpPr txBox="1"/>
-          <p:nvPr/>
-        </p:nvSpPr>
-        <p:spPr>
-          <a:xfrm>
-            <a:off x="76200" y="2743200"/>
-            <a:ext cx="2293769" cy="1200329"/>
-          </a:xfrm>
-          <a:prstGeom prst="rect">
-            <a:avLst/>
-          </a:prstGeom>
-          <a:noFill/>
-        </p:spPr>
-        <p:txBody>
-          <a:bodyPr wrap="none" rtlCol="0">
-            <a:spAutoFit/>
-          </a:bodyPr>
-          <a:lstStyle/>
-          <a:p>
-            <a:r>
-              <a:rPr lang="en-US" dirty="0" smtClean="0"/>
-              <a:t>The mean-variance</a:t>
-            </a:r>
-          </a:p>
-          <a:p>
-            <a:r>
-              <a:rPr lang="en-US" dirty="0" smtClean="0"/>
-              <a:t>relationship predicted</a:t>
-            </a:r>
-          </a:p>
-          <a:p>
-            <a:r>
-              <a:rPr lang="en-US" dirty="0" smtClean="0"/>
-              <a:t>by the Poisson does</a:t>
-            </a:r>
-          </a:p>
-          <a:p>
-            <a:r>
-              <a:rPr lang="en-US" dirty="0" smtClean="0"/>
-              <a:t>not hold!</a:t>
-            </a:r>
-            <a:endParaRPr lang="en-US" dirty="0"/>
-          </a:p>
-        </p:txBody>
-      </p:sp>
-      <p:cxnSp>
-        <p:nvCxnSpPr>
-          <p:cNvPr id="11" name="Straight Arrow Connector 10"/>
-          <p:cNvCxnSpPr/>
-          <p:nvPr/>
-        </p:nvCxnSpPr>
-        <p:spPr>
-          <a:xfrm flipV="1">
-            <a:off x="1371600" y="5334000"/>
-            <a:ext cx="609600" cy="152400"/>
-          </a:xfrm>
-          <a:prstGeom prst="straightConnector1">
-            <a:avLst/>
-          </a:prstGeom>
-          <a:ln>
-            <a:tailEnd type="arrow"/>
-          </a:ln>
-        </p:spPr>
-        <p:style>
-          <a:lnRef idx="1">
-            <a:schemeClr val="accent1"/>
-          </a:lnRef>
-          <a:fillRef idx="0">
-            <a:schemeClr val="accent1"/>
-          </a:fillRef>
-          <a:effectRef idx="0">
-            <a:schemeClr val="accent1"/>
-          </a:effectRef>
-          <a:fontRef idx="minor">
-            <a:schemeClr val="tx1"/>
-          </a:fontRef>
-        </p:style>
-      </p:cxnSp>
-      <p:sp>
-        <p:nvSpPr>
-          <p:cNvPr id="12" name="TextBox 11"/>
-          <p:cNvSpPr txBox="1"/>
-          <p:nvPr/>
-        </p:nvSpPr>
-        <p:spPr>
-          <a:xfrm>
-            <a:off x="76200" y="4953000"/>
-            <a:ext cx="2236510" cy="369332"/>
-          </a:xfrm>
-          <a:prstGeom prst="rect">
-            <a:avLst/>
-          </a:prstGeom>
-          <a:noFill/>
-        </p:spPr>
-        <p:txBody>
-          <a:bodyPr wrap="none" rtlCol="0">
-            <a:spAutoFit/>
-          </a:bodyPr>
-          <a:lstStyle/>
-          <a:p>
-            <a:r>
-              <a:rPr lang="en-US" dirty="0" smtClean="0"/>
-              <a:t>Lack of independence</a:t>
-            </a:r>
-            <a:endParaRPr lang="en-US" dirty="0"/>
-          </a:p>
-        </p:txBody>
-      </p:sp>
-    </p:spTree>
-  </p:cSld>
-  <p:clrMapOvr>
-    <a:masterClrMapping/>
-  </p:clrMapOvr>
-</p:sld>
-</file>
-
-<file path=ppt/slides/slide39.xml><?xml version="1.0" encoding="utf-8"?>
 <p:sld xmlns:a="http://schemas.openxmlformats.org/drawingml/2006/main" xmlns:r="http://schemas.openxmlformats.org/officeDocument/2006/relationships" xmlns:p="http://schemas.openxmlformats.org/presentationml/2006/main">
   <p:cSld>
     <p:spTree>
